--- a/output/bsps-HUSBY.pptx
+++ b/output/bsps-HUSBY.pptx
@@ -1195,6 +1195,371 @@
     <p:extLst>
       <p:ext uri="{BB962C8B-B14F-4D97-AF65-F5344CB8AC3E}">
         <p14:creationId xmlns:p14="http://schemas.microsoft.com/office/powerpoint/2010/main" val="3333000454"/>
+      </p:ext>
+    </p:extLst>
+  </p:cSld>
+  <p:clrMapOvr>
+    <a:masterClrMapping/>
+  </p:clrMapOvr>
+</p:notes>
+</file>
+
+<file path=ppt/notesSlides/notesSlide2.xml><?xml version="1.0" encoding="utf-8"?>
+<p:notes xmlns:a="http://schemas.openxmlformats.org/drawingml/2006/main" xmlns:r="http://schemas.openxmlformats.org/officeDocument/2006/relationships" xmlns:p="http://schemas.openxmlformats.org/presentationml/2006/main">
+  <p:cSld>
+    <p:spTree>
+      <p:nvGrpSpPr>
+        <p:cNvPr id="1" name=""/>
+        <p:cNvGrpSpPr/>
+        <p:nvPr/>
+      </p:nvGrpSpPr>
+      <p:grpSpPr>
+        <a:xfrm>
+          <a:off x="0" y="0"/>
+          <a:ext cx="0" cy="0"/>
+          <a:chOff x="0" y="0"/>
+          <a:chExt cx="0" cy="0"/>
+        </a:xfrm>
+      </p:grpSpPr>
+      <p:sp>
+        <p:nvSpPr>
+          <p:cNvPr id="2" name="Slide Image Placeholder 1"/>
+          <p:cNvSpPr>
+            <a:spLocks noGrp="1" noRot="1" noChangeAspect="1"/>
+          </p:cNvSpPr>
+          <p:nvPr>
+            <p:ph type="sldImg"/>
+          </p:nvPr>
+        </p:nvSpPr>
+        <p:spPr/>
+      </p:sp>
+      <p:sp>
+        <p:nvSpPr>
+          <p:cNvPr id="3" name="Notes Placeholder 2"/>
+          <p:cNvSpPr>
+            <a:spLocks noGrp="1"/>
+          </p:cNvSpPr>
+          <p:nvPr>
+            <p:ph type="body" idx="1"/>
+          </p:nvPr>
+        </p:nvSpPr>
+        <p:spPr/>
+        <p:txBody>
+          <a:bodyPr/>
+          <a:lstStyle/>
+          <a:p>
+            <a:pPr marL="171450" indent="-171450">
+              <a:buFontTx/>
+              <a:buChar char="-"/>
+            </a:pPr>
+            <a:r>
+              <a:rPr lang="en-US" dirty="0" smtClean="0"/>
+              <a:t>Corrected</a:t>
+            </a:r>
+            <a:r>
+              <a:rPr lang="en-US" baseline="0" dirty="0" smtClean="0"/>
+              <a:t> for </a:t>
+            </a:r>
+            <a:r>
+              <a:rPr lang="en-US" baseline="0" dirty="0" err="1" smtClean="0"/>
+              <a:t>municipalitiy</a:t>
+            </a:r>
+            <a:r>
+              <a:rPr lang="en-US" baseline="0" dirty="0" smtClean="0"/>
+              <a:t> changes</a:t>
+            </a:r>
+          </a:p>
+          <a:p>
+            <a:pPr marL="171450" indent="-171450">
+              <a:buFontTx/>
+              <a:buChar char="-"/>
+            </a:pPr>
+            <a:r>
+              <a:rPr lang="en-US" baseline="0" dirty="0" smtClean="0"/>
+              <a:t>Between -5 and 5, average absolute error of 1.85 </a:t>
+            </a:r>
+            <a:endParaRPr lang="nl-NL" dirty="0"/>
+          </a:p>
+        </p:txBody>
+      </p:sp>
+      <p:sp>
+        <p:nvSpPr>
+          <p:cNvPr id="4" name="Slide Number Placeholder 3"/>
+          <p:cNvSpPr>
+            <a:spLocks noGrp="1"/>
+          </p:cNvSpPr>
+          <p:nvPr>
+            <p:ph type="sldNum" sz="quarter" idx="10"/>
+          </p:nvPr>
+        </p:nvSpPr>
+        <p:spPr/>
+        <p:txBody>
+          <a:bodyPr/>
+          <a:lstStyle/>
+          <a:p>
+            <a:fld id="{027E0D92-C339-4B6C-BF36-CE1057E46B7D}" type="slidenum">
+              <a:rPr lang="nl-NL" altLang="nl-NL" smtClean="0"/>
+              <a:pPr/>
+              <a:t>6</a:t>
+            </a:fld>
+            <a:endParaRPr lang="nl-NL" altLang="nl-NL"/>
+          </a:p>
+        </p:txBody>
+      </p:sp>
+    </p:spTree>
+    <p:extLst>
+      <p:ext uri="{BB962C8B-B14F-4D97-AF65-F5344CB8AC3E}">
+        <p14:creationId xmlns:p14="http://schemas.microsoft.com/office/powerpoint/2010/main" val="3567959163"/>
+      </p:ext>
+    </p:extLst>
+  </p:cSld>
+  <p:clrMapOvr>
+    <a:masterClrMapping/>
+  </p:clrMapOvr>
+</p:notes>
+</file>
+
+<file path=ppt/notesSlides/notesSlide3.xml><?xml version="1.0" encoding="utf-8"?>
+<p:notes xmlns:a="http://schemas.openxmlformats.org/drawingml/2006/main" xmlns:r="http://schemas.openxmlformats.org/officeDocument/2006/relationships" xmlns:p="http://schemas.openxmlformats.org/presentationml/2006/main">
+  <p:cSld>
+    <p:spTree>
+      <p:nvGrpSpPr>
+        <p:cNvPr id="1" name=""/>
+        <p:cNvGrpSpPr/>
+        <p:nvPr/>
+      </p:nvGrpSpPr>
+      <p:grpSpPr>
+        <a:xfrm>
+          <a:off x="0" y="0"/>
+          <a:ext cx="0" cy="0"/>
+          <a:chOff x="0" y="0"/>
+          <a:chExt cx="0" cy="0"/>
+        </a:xfrm>
+      </p:grpSpPr>
+      <p:sp>
+        <p:nvSpPr>
+          <p:cNvPr id="2" name="Slide Image Placeholder 1"/>
+          <p:cNvSpPr>
+            <a:spLocks noGrp="1" noRot="1" noChangeAspect="1"/>
+          </p:cNvSpPr>
+          <p:nvPr>
+            <p:ph type="sldImg"/>
+          </p:nvPr>
+        </p:nvSpPr>
+        <p:spPr/>
+      </p:sp>
+      <p:sp>
+        <p:nvSpPr>
+          <p:cNvPr id="3" name="Notes Placeholder 2"/>
+          <p:cNvSpPr>
+            <a:spLocks noGrp="1"/>
+          </p:cNvSpPr>
+          <p:nvPr>
+            <p:ph type="body" idx="1"/>
+          </p:nvPr>
+        </p:nvSpPr>
+        <p:spPr/>
+        <p:txBody>
+          <a:bodyPr/>
+          <a:lstStyle/>
+          <a:p>
+            <a:pPr marL="171450" indent="-171450">
+              <a:buFontTx/>
+              <a:buChar char="-"/>
+            </a:pPr>
+            <a:r>
+              <a:rPr lang="en-US" dirty="0" smtClean="0"/>
+              <a:t>Forecasting errors are smaller in larger</a:t>
+            </a:r>
+            <a:r>
+              <a:rPr lang="en-US" baseline="0" dirty="0" smtClean="0"/>
+              <a:t> municipalities</a:t>
+            </a:r>
+          </a:p>
+          <a:p>
+            <a:pPr marL="171450" indent="-171450">
+              <a:buFontTx/>
+              <a:buChar char="-"/>
+            </a:pPr>
+            <a:r>
+              <a:rPr lang="en-US" baseline="0" dirty="0" smtClean="0"/>
+              <a:t>Seems that (positive) errors are concentrated in municipalities close to large municipalities</a:t>
+            </a:r>
+          </a:p>
+          <a:p>
+            <a:pPr marL="171450" indent="-171450">
+              <a:buFontTx/>
+              <a:buChar char="-"/>
+            </a:pPr>
+            <a:r>
+              <a:rPr lang="en-US" baseline="0" dirty="0" smtClean="0"/>
+              <a:t>Groningen: city of Groningen is a regional </a:t>
+            </a:r>
+            <a:r>
+              <a:rPr lang="en-US" baseline="0" dirty="0" err="1" smtClean="0"/>
+              <a:t>centre</a:t>
+            </a:r>
+            <a:r>
+              <a:rPr lang="en-US" baseline="0" dirty="0" smtClean="0"/>
+              <a:t>, migration to Groningen affects surrounding municipalities</a:t>
+            </a:r>
+          </a:p>
+          <a:p>
+            <a:pPr marL="171450" indent="-171450">
+              <a:buFontTx/>
+              <a:buChar char="-"/>
+            </a:pPr>
+            <a:r>
+              <a:rPr lang="en-US" baseline="0" dirty="0" smtClean="0"/>
+              <a:t>Almere: within commuting distance from Amsterdam, destination for households working in Amsterdam who wish to own a house</a:t>
+            </a:r>
+            <a:endParaRPr lang="nl-NL" dirty="0"/>
+          </a:p>
+        </p:txBody>
+      </p:sp>
+      <p:sp>
+        <p:nvSpPr>
+          <p:cNvPr id="4" name="Slide Number Placeholder 3"/>
+          <p:cNvSpPr>
+            <a:spLocks noGrp="1"/>
+          </p:cNvSpPr>
+          <p:nvPr>
+            <p:ph type="sldNum" sz="quarter" idx="10"/>
+          </p:nvPr>
+        </p:nvSpPr>
+        <p:spPr/>
+        <p:txBody>
+          <a:bodyPr/>
+          <a:lstStyle/>
+          <a:p>
+            <a:fld id="{027E0D92-C339-4B6C-BF36-CE1057E46B7D}" type="slidenum">
+              <a:rPr lang="nl-NL" altLang="nl-NL" smtClean="0"/>
+              <a:pPr/>
+              <a:t>7</a:t>
+            </a:fld>
+            <a:endParaRPr lang="nl-NL" altLang="nl-NL"/>
+          </a:p>
+        </p:txBody>
+      </p:sp>
+    </p:spTree>
+    <p:extLst>
+      <p:ext uri="{BB962C8B-B14F-4D97-AF65-F5344CB8AC3E}">
+        <p14:creationId xmlns:p14="http://schemas.microsoft.com/office/powerpoint/2010/main" val="4092768836"/>
+      </p:ext>
+    </p:extLst>
+  </p:cSld>
+  <p:clrMapOvr>
+    <a:masterClrMapping/>
+  </p:clrMapOvr>
+</p:notes>
+</file>
+
+<file path=ppt/notesSlides/notesSlide4.xml><?xml version="1.0" encoding="utf-8"?>
+<p:notes xmlns:a="http://schemas.openxmlformats.org/drawingml/2006/main" xmlns:r="http://schemas.openxmlformats.org/officeDocument/2006/relationships" xmlns:p="http://schemas.openxmlformats.org/presentationml/2006/main">
+  <p:cSld>
+    <p:spTree>
+      <p:nvGrpSpPr>
+        <p:cNvPr id="1" name=""/>
+        <p:cNvGrpSpPr/>
+        <p:nvPr/>
+      </p:nvGrpSpPr>
+      <p:grpSpPr>
+        <a:xfrm>
+          <a:off x="0" y="0"/>
+          <a:ext cx="0" cy="0"/>
+          <a:chOff x="0" y="0"/>
+          <a:chExt cx="0" cy="0"/>
+        </a:xfrm>
+      </p:grpSpPr>
+      <p:sp>
+        <p:nvSpPr>
+          <p:cNvPr id="2" name="Slide Image Placeholder 1"/>
+          <p:cNvSpPr>
+            <a:spLocks noGrp="1" noRot="1" noChangeAspect="1"/>
+          </p:cNvSpPr>
+          <p:nvPr>
+            <p:ph type="sldImg"/>
+          </p:nvPr>
+        </p:nvSpPr>
+        <p:spPr/>
+      </p:sp>
+      <p:sp>
+        <p:nvSpPr>
+          <p:cNvPr id="3" name="Notes Placeholder 2"/>
+          <p:cNvSpPr>
+            <a:spLocks noGrp="1"/>
+          </p:cNvSpPr>
+          <p:nvPr>
+            <p:ph type="body" idx="1"/>
+          </p:nvPr>
+        </p:nvSpPr>
+        <p:spPr/>
+        <p:txBody>
+          <a:bodyPr/>
+          <a:lstStyle/>
+          <a:p>
+            <a:r>
+              <a:rPr lang="en-US" dirty="0" smtClean="0"/>
+              <a:t>-Frequency</a:t>
+            </a:r>
+            <a:r>
+              <a:rPr lang="en-US" baseline="0" dirty="0" smtClean="0"/>
+              <a:t> of moves, national level: sum of within- and between-municipality moves</a:t>
+            </a:r>
+          </a:p>
+          <a:p>
+            <a:r>
+              <a:rPr lang="en-US" baseline="0" dirty="0" smtClean="0"/>
+              <a:t>- </a:t>
+            </a:r>
+            <a:r>
+              <a:rPr lang="en-US" baseline="0" dirty="0" err="1" smtClean="0"/>
+              <a:t>ss</a:t>
+            </a:r>
+            <a:r>
+              <a:rPr lang="en-US" baseline="0" dirty="0" smtClean="0"/>
+              <a:t>: dynamic linear model, general model for non-stationary time-series. Uses the </a:t>
+            </a:r>
+            <a:r>
+              <a:rPr lang="en-US" baseline="0" dirty="0" err="1" smtClean="0"/>
+              <a:t>kalman</a:t>
+            </a:r>
+            <a:r>
+              <a:rPr lang="en-US" baseline="0" dirty="0" smtClean="0"/>
+              <a:t> filter for smoothing and forecasting </a:t>
+            </a:r>
+            <a:endParaRPr lang="nl-NL" dirty="0"/>
+          </a:p>
+        </p:txBody>
+      </p:sp>
+      <p:sp>
+        <p:nvSpPr>
+          <p:cNvPr id="4" name="Slide Number Placeholder 3"/>
+          <p:cNvSpPr>
+            <a:spLocks noGrp="1"/>
+          </p:cNvSpPr>
+          <p:nvPr>
+            <p:ph type="sldNum" sz="quarter" idx="10"/>
+          </p:nvPr>
+        </p:nvSpPr>
+        <p:spPr/>
+        <p:txBody>
+          <a:bodyPr/>
+          <a:lstStyle/>
+          <a:p>
+            <a:fld id="{027E0D92-C339-4B6C-BF36-CE1057E46B7D}" type="slidenum">
+              <a:rPr lang="nl-NL" altLang="nl-NL" smtClean="0"/>
+              <a:pPr/>
+              <a:t>10</a:t>
+            </a:fld>
+            <a:endParaRPr lang="nl-NL" altLang="nl-NL"/>
+          </a:p>
+        </p:txBody>
+      </p:sp>
+    </p:spTree>
+    <p:extLst>
+      <p:ext uri="{BB962C8B-B14F-4D97-AF65-F5344CB8AC3E}">
+        <p14:creationId xmlns:p14="http://schemas.microsoft.com/office/powerpoint/2010/main" val="2979053229"/>
       </p:ext>
     </p:extLst>
   </p:cSld>
@@ -4942,8 +5307,8 @@
           <a:lstStyle/>
           <a:p>
             <a:r>
-              <a:rPr lang="nl-NL" dirty="0" err="1" smtClean="0"/>
-              <a:t>Decomposing</a:t>
+              <a:rPr lang="nl-NL" dirty="0" smtClean="0"/>
+              <a:t>Analysis of</a:t>
             </a:r>
             <a:r>
               <a:rPr lang="nl-NL" dirty="0" smtClean="0"/>
@@ -4982,7 +5347,7 @@
         <p:spPr>
           <a:xfrm>
             <a:off x="485775" y="1844675"/>
-            <a:ext cx="3222129" cy="4281488"/>
+            <a:ext cx="3582169" cy="4281488"/>
           </a:xfrm>
         </p:spPr>
         <p:txBody>
@@ -5002,11 +5367,7 @@
             </a:r>
             <a:r>
               <a:rPr lang="nl-NL" dirty="0" smtClean="0"/>
-              <a:t> </a:t>
-            </a:r>
-            <a:r>
-              <a:rPr lang="nl-NL" dirty="0" smtClean="0"/>
-              <a:t>(</a:t>
+              <a:t> (</a:t>
             </a:r>
             <a:r>
               <a:rPr lang="nl-NL" dirty="0" err="1" smtClean="0"/>
@@ -5022,11 +5383,7 @@
             </a:r>
             <a:r>
               <a:rPr lang="nl-NL" dirty="0" smtClean="0"/>
-              <a:t> </a:t>
-            </a:r>
-            <a:r>
-              <a:rPr lang="nl-NL" dirty="0" smtClean="0"/>
-              <a:t>of moves </a:t>
+              <a:t> of moves </a:t>
             </a:r>
             <a:r>
               <a:rPr lang="nl-NL" dirty="0" err="1" smtClean="0"/>
@@ -5068,63 +5425,31 @@
           </a:p>
           <a:p>
             <a:r>
-              <a:rPr lang="nl-NL" dirty="0" smtClean="0"/>
-              <a:t>Method: state-</a:t>
-            </a:r>
-            <a:r>
-              <a:rPr lang="nl-NL" dirty="0" err="1" smtClean="0"/>
-              <a:t>space</a:t>
-            </a:r>
-            <a:r>
-              <a:rPr lang="nl-NL" dirty="0" smtClean="0"/>
-              <a:t> model </a:t>
-            </a:r>
-            <a:r>
-              <a:rPr lang="nl-NL" dirty="0" err="1" smtClean="0"/>
-              <a:t>with</a:t>
-            </a:r>
-            <a:r>
-              <a:rPr lang="nl-NL" dirty="0" smtClean="0"/>
-              <a:t> </a:t>
-            </a:r>
-            <a:r>
-              <a:rPr lang="nl-NL" dirty="0" err="1" smtClean="0"/>
-              <a:t>local</a:t>
-            </a:r>
-            <a:r>
-              <a:rPr lang="nl-NL" dirty="0" smtClean="0"/>
-              <a:t> trend </a:t>
-            </a:r>
-            <a:r>
-              <a:rPr lang="nl-NL" dirty="0" err="1" smtClean="0"/>
-              <a:t>and</a:t>
-            </a:r>
-            <a:r>
-              <a:rPr lang="nl-NL" dirty="0" smtClean="0"/>
-              <a:t> AR(2) </a:t>
-            </a:r>
-            <a:r>
-              <a:rPr lang="nl-NL" dirty="0" err="1" smtClean="0"/>
-              <a:t>elements</a:t>
+              <a:rPr lang="nl-NL" dirty="0"/>
+              <a:t>Data: </a:t>
+            </a:r>
+            <a:r>
+              <a:rPr lang="nl-NL" dirty="0" err="1"/>
+              <a:t>quarterly</a:t>
+            </a:r>
+            <a:r>
+              <a:rPr lang="nl-NL" dirty="0"/>
+              <a:t> moves per 100000 </a:t>
+            </a:r>
+            <a:r>
+              <a:rPr lang="nl-NL" dirty="0" err="1" smtClean="0"/>
+              <a:t>inhabitants</a:t>
             </a:r>
             <a:endParaRPr lang="nl-NL" dirty="0" smtClean="0"/>
           </a:p>
           <a:p>
             <a:r>
               <a:rPr lang="nl-NL" dirty="0" smtClean="0"/>
-              <a:t>Data: </a:t>
-            </a:r>
-            <a:r>
-              <a:rPr lang="nl-NL" dirty="0" err="1" smtClean="0"/>
-              <a:t>quarterly</a:t>
-            </a:r>
-            <a:r>
-              <a:rPr lang="nl-NL" dirty="0" smtClean="0"/>
-              <a:t> moves per 100000 </a:t>
-            </a:r>
-            <a:r>
-              <a:rPr lang="nl-NL" dirty="0" err="1" smtClean="0"/>
-              <a:t>inhabitants</a:t>
+              <a:t>Method</a:t>
+            </a:r>
+            <a:r>
+              <a:rPr lang="nl-NL" dirty="0" smtClean="0"/>
+              <a:t>: DLM</a:t>
             </a:r>
             <a:endParaRPr lang="nl-NL" dirty="0" smtClean="0"/>
           </a:p>
@@ -5186,7 +5511,7 @@
           <p:nvPr/>
         </p:nvPicPr>
         <p:blipFill>
-          <a:blip r:embed="rId2" cstate="print">
+          <a:blip r:embed="rId3" cstate="print">
             <a:extLst>
               <a:ext uri="{28A0092B-C50C-407E-A947-70E740481C1C}">
                 <a14:useLocalDpi xmlns:a14="http://schemas.microsoft.com/office/drawing/2010/main" val="0"/>
@@ -5260,17 +5585,10 @@
           <a:lstStyle/>
           <a:p>
             <a:r>
-              <a:rPr lang="nl-NL" dirty="0"/>
-              <a:t>Migration in </a:t>
-            </a:r>
-            <a:r>
-              <a:rPr lang="nl-NL" dirty="0" err="1"/>
-              <a:t>the</a:t>
-            </a:r>
-            <a:r>
-              <a:rPr lang="nl-NL" dirty="0"/>
-              <a:t> Forecast of 2019</a:t>
-            </a:r>
+              <a:rPr lang="en-US" dirty="0" smtClean="0"/>
+              <a:t>Recent changes to migration in university cities</a:t>
+            </a:r>
+            <a:endParaRPr lang="nl-NL" dirty="0"/>
           </a:p>
         </p:txBody>
       </p:sp>
@@ -5470,17 +5788,7 @@
                 <a:latin typeface="Verdana"/>
                 <a:cs typeface="Arial"/>
               </a:rPr>
-              <a:t> </a:t>
-            </a:r>
-            <a:r>
-              <a:rPr lang="nl-NL" sz="2000" dirty="0" smtClean="0">
-                <a:solidFill>
-                  <a:srgbClr val="000000"/>
-                </a:solidFill>
-                <a:latin typeface="Verdana"/>
-                <a:cs typeface="Arial"/>
-              </a:rPr>
-              <a:t>have </a:t>
+              <a:t> have </a:t>
             </a:r>
             <a:r>
               <a:rPr lang="nl-NL" sz="2000" dirty="0" err="1" smtClean="0">
@@ -6087,11 +6395,19 @@
             </a:r>
             <a:r>
               <a:rPr lang="nl-NL" dirty="0" smtClean="0"/>
-              <a:t> forecast is </a:t>
-            </a:r>
-            <a:r>
-              <a:rPr lang="nl-NL" dirty="0" err="1" smtClean="0"/>
-              <a:t>heavily</a:t>
+              <a:t> forecast </a:t>
+            </a:r>
+            <a:r>
+              <a:rPr lang="nl-NL" dirty="0" err="1" smtClean="0"/>
+              <a:t>may</a:t>
+            </a:r>
+            <a:r>
+              <a:rPr lang="nl-NL" dirty="0" smtClean="0"/>
+              <a:t> </a:t>
+            </a:r>
+            <a:r>
+              <a:rPr lang="nl-NL" dirty="0" err="1" smtClean="0"/>
+              <a:t>be</a:t>
             </a:r>
             <a:r>
               <a:rPr lang="nl-NL" dirty="0" smtClean="0"/>
@@ -6306,7 +6622,23 @@
             </a:r>
             <a:r>
               <a:rPr lang="nl-NL" dirty="0" smtClean="0"/>
-              <a:t> are </a:t>
+              <a:t> </a:t>
+            </a:r>
+            <a:r>
+              <a:rPr lang="nl-NL" dirty="0" err="1" smtClean="0"/>
+              <a:t>may</a:t>
+            </a:r>
+            <a:r>
+              <a:rPr lang="nl-NL" dirty="0" smtClean="0"/>
+              <a:t> </a:t>
+            </a:r>
+            <a:r>
+              <a:rPr lang="nl-NL" dirty="0" err="1" smtClean="0"/>
+              <a:t>be</a:t>
+            </a:r>
+            <a:r>
+              <a:rPr lang="nl-NL" dirty="0" smtClean="0"/>
+              <a:t> </a:t>
             </a:r>
             <a:r>
               <a:rPr lang="nl-NL" dirty="0" err="1" smtClean="0"/>
@@ -6562,7 +6894,11 @@
           <a:p>
             <a:r>
               <a:rPr lang="en-US" altLang="nl-NL" dirty="0" smtClean="0"/>
-              <a:t>The Regional Population Forecast</a:t>
+              <a:t>The Regional Population </a:t>
+            </a:r>
+            <a:r>
+              <a:rPr lang="en-US" altLang="nl-NL" dirty="0" smtClean="0"/>
+              <a:t>and Household Forecast</a:t>
             </a:r>
             <a:endParaRPr lang="en-US" altLang="nl-NL" dirty="0"/>
           </a:p>
@@ -6624,7 +6960,15 @@
             </a:r>
             <a:r>
               <a:rPr lang="nl-NL" dirty="0" smtClean="0"/>
-              <a:t> forecast is made consistent </a:t>
+              <a:t> </a:t>
+            </a:r>
+            <a:r>
+              <a:rPr lang="nl-NL" dirty="0" smtClean="0"/>
+              <a:t>forecast (PBL/CBS) </a:t>
+            </a:r>
+            <a:r>
+              <a:rPr lang="nl-NL" dirty="0" smtClean="0"/>
+              <a:t>is made consistent </a:t>
             </a:r>
             <a:r>
               <a:rPr lang="nl-NL" dirty="0" err="1" smtClean="0"/>
@@ -6648,8 +6992,13 @@
             </a:r>
             <a:r>
               <a:rPr lang="nl-NL" dirty="0" smtClean="0"/>
-              <a:t> forecast</a:t>
-            </a:r>
+              <a:t> </a:t>
+            </a:r>
+            <a:r>
+              <a:rPr lang="nl-NL" dirty="0" smtClean="0"/>
+              <a:t>forecast (CBS)</a:t>
+            </a:r>
+            <a:endParaRPr lang="nl-NL" dirty="0" smtClean="0"/>
           </a:p>
           <a:p>
             <a:r>
@@ -6712,18 +7061,74 @@
             </a:r>
             <a:r>
               <a:rPr lang="nl-NL" dirty="0" err="1" smtClean="0"/>
-              <a:t>individual</a:t>
-            </a:r>
-            <a:r>
-              <a:rPr lang="nl-NL" dirty="0" smtClean="0"/>
-              <a:t> </a:t>
-            </a:r>
-            <a:r>
-              <a:rPr lang="nl-NL" dirty="0" err="1" smtClean="0"/>
               <a:t>components</a:t>
             </a:r>
             <a:r>
               <a:rPr lang="nl-NL" dirty="0" smtClean="0"/>
+              <a:t> of </a:t>
+            </a:r>
+            <a:r>
+              <a:rPr lang="nl-NL" dirty="0" err="1" smtClean="0"/>
+              <a:t>population</a:t>
+            </a:r>
+            <a:r>
+              <a:rPr lang="nl-NL" dirty="0" smtClean="0"/>
+              <a:t> </a:t>
+            </a:r>
+            <a:r>
+              <a:rPr lang="nl-NL" dirty="0" err="1" smtClean="0"/>
+              <a:t>growth</a:t>
+            </a:r>
+            <a:r>
+              <a:rPr lang="nl-NL" dirty="0" smtClean="0"/>
+              <a:t> </a:t>
+            </a:r>
+            <a:r>
+              <a:rPr lang="nl-NL" dirty="0" err="1" smtClean="0"/>
+              <a:t>and</a:t>
+            </a:r>
+            <a:r>
+              <a:rPr lang="nl-NL" dirty="0" smtClean="0"/>
+              <a:t> </a:t>
+            </a:r>
+            <a:r>
+              <a:rPr lang="nl-NL" dirty="0" err="1" smtClean="0"/>
+              <a:t>transition</a:t>
+            </a:r>
+            <a:r>
+              <a:rPr lang="nl-NL" dirty="0" smtClean="0"/>
+              <a:t> </a:t>
+            </a:r>
+            <a:r>
+              <a:rPr lang="nl-NL" dirty="0" err="1" smtClean="0"/>
+              <a:t>rates</a:t>
+            </a:r>
+            <a:r>
+              <a:rPr lang="nl-NL" dirty="0" smtClean="0"/>
+              <a:t> </a:t>
+            </a:r>
+            <a:r>
+              <a:rPr lang="nl-NL" dirty="0" err="1" smtClean="0"/>
+              <a:t>between</a:t>
+            </a:r>
+            <a:r>
+              <a:rPr lang="nl-NL" dirty="0" smtClean="0"/>
+              <a:t> </a:t>
+            </a:r>
+            <a:r>
+              <a:rPr lang="nl-NL" dirty="0" err="1" smtClean="0"/>
+              <a:t>household</a:t>
+            </a:r>
+            <a:r>
+              <a:rPr lang="nl-NL" dirty="0" smtClean="0"/>
+              <a:t> </a:t>
+            </a:r>
+            <a:r>
+              <a:rPr lang="nl-NL" dirty="0" err="1" smtClean="0"/>
+              <a:t>positions</a:t>
+            </a:r>
+            <a:r>
+              <a:rPr lang="nl-NL" dirty="0" smtClean="0"/>
               <a:t> are </a:t>
             </a:r>
             <a:r>
@@ -6743,12 +7148,8 @@
               <a:t> </a:t>
             </a:r>
             <a:r>
-              <a:rPr lang="nl-NL" dirty="0" err="1" smtClean="0"/>
-              <a:t>and</a:t>
-            </a:r>
-            <a:r>
-              <a:rPr lang="nl-NL" dirty="0" smtClean="0"/>
-              <a:t> are </a:t>
+              <a:rPr lang="nl-NL" dirty="0" smtClean="0"/>
+              <a:t>as </a:t>
             </a:r>
             <a:r>
               <a:rPr lang="nl-NL" dirty="0" err="1" smtClean="0"/>
@@ -6916,7 +7317,7 @@
           <a:p>
             <a:r>
               <a:rPr lang="nl-NL" dirty="0" err="1" smtClean="0"/>
-              <a:t>Interregional</a:t>
+              <a:t>Internal</a:t>
             </a:r>
             <a:r>
               <a:rPr lang="nl-NL" dirty="0" smtClean="0"/>
@@ -6944,11 +7345,27 @@
             </a:r>
             <a:r>
               <a:rPr lang="nl-NL" dirty="0" smtClean="0"/>
-              <a:t> changes in </a:t>
-            </a:r>
-            <a:r>
-              <a:rPr lang="nl-NL" dirty="0" smtClean="0"/>
-              <a:t>PEARL</a:t>
+              <a:t> changes </a:t>
+            </a:r>
+            <a:r>
+              <a:rPr lang="nl-NL" dirty="0" smtClean="0"/>
+              <a:t>at </a:t>
+            </a:r>
+            <a:r>
+              <a:rPr lang="nl-NL" dirty="0" err="1" smtClean="0"/>
+              <a:t>the</a:t>
+            </a:r>
+            <a:r>
+              <a:rPr lang="nl-NL" dirty="0" smtClean="0"/>
+              <a:t> </a:t>
+            </a:r>
+            <a:r>
+              <a:rPr lang="nl-NL" dirty="0" err="1" smtClean="0"/>
+              <a:t>regional</a:t>
+            </a:r>
+            <a:r>
+              <a:rPr lang="nl-NL" dirty="0" smtClean="0"/>
+              <a:t> level</a:t>
             </a:r>
             <a:endParaRPr lang="nl-NL" dirty="0" smtClean="0"/>
           </a:p>
@@ -6963,11 +7380,7 @@
             </a:r>
             <a:r>
               <a:rPr lang="nl-NL" dirty="0" smtClean="0"/>
-              <a:t> </a:t>
-            </a:r>
-            <a:r>
-              <a:rPr lang="nl-NL" dirty="0" smtClean="0"/>
-              <a:t>long- </a:t>
+              <a:t> long- </a:t>
             </a:r>
             <a:r>
               <a:rPr lang="nl-NL" dirty="0" err="1" smtClean="0"/>
@@ -7103,7 +7516,7 @@
           <a:graphicData uri="http://schemas.openxmlformats.org/presentationml/2006/ole">
             <mc:AlternateContent xmlns:mc="http://schemas.openxmlformats.org/markup-compatibility/2006">
               <mc:Choice xmlns:v="urn:schemas-microsoft-com:vml" Requires="v">
-                <p:oleObj spid="_x0000_s45071" name="Equation" r:id="rId4" imgW="1612800" imgH="571320" progId="Equation.DSMT4">
+                <p:oleObj spid="_x0000_s45073" name="Equation" r:id="rId4" imgW="1612800" imgH="571320" progId="Equation.DSMT4">
                   <p:embed/>
                 </p:oleObj>
               </mc:Choice>
@@ -7928,7 +8341,6 @@
               <a:rPr lang="nl-NL" dirty="0" smtClean="0"/>
               <a:t> 2040</a:t>
             </a:r>
-            <a:endParaRPr lang="nl-NL" dirty="0" smtClean="0"/>
           </a:p>
           <a:p>
             <a:r>
@@ -8257,7 +8669,7 @@
           <p:nvPr/>
         </p:nvPicPr>
         <p:blipFill>
-          <a:blip r:embed="rId2" cstate="print">
+          <a:blip r:embed="rId3" cstate="print">
             <a:extLst>
               <a:ext uri="{28A0092B-C50C-407E-A947-70E740481C1C}">
                 <a14:useLocalDpi xmlns:a14="http://schemas.microsoft.com/office/drawing/2010/main" val="0"/>
@@ -8287,7 +8699,7 @@
         <p:spPr>
           <a:xfrm>
             <a:off x="-36512" y="5812015"/>
-            <a:ext cx="8049768" cy="369332"/>
+            <a:ext cx="8793561" cy="369332"/>
           </a:xfrm>
           <a:prstGeom prst="rect">
             <a:avLst/>
@@ -8310,7 +8722,15 @@
             </a:r>
             <a:r>
               <a:rPr lang="nl-NL" dirty="0" err="1" smtClean="0"/>
-              <a:t>from</a:t>
+              <a:t>according</a:t>
+            </a:r>
+            <a:r>
+              <a:rPr lang="nl-NL" dirty="0" smtClean="0"/>
+              <a:t> </a:t>
+            </a:r>
+            <a:r>
+              <a:rPr lang="nl-NL" dirty="0" err="1" smtClean="0"/>
+              <a:t>to</a:t>
             </a:r>
             <a:r>
               <a:rPr lang="nl-NL" dirty="0" smtClean="0"/>
@@ -8322,7 +8742,15 @@
             </a:r>
             <a:r>
               <a:rPr lang="nl-NL" dirty="0" smtClean="0"/>
-              <a:t> 2013 forecast, </a:t>
+              <a:t> 2013 </a:t>
+            </a:r>
+            <a:r>
+              <a:rPr lang="nl-NL" dirty="0" err="1" smtClean="0"/>
+              <a:t>edition</a:t>
+            </a:r>
+            <a:r>
+              <a:rPr lang="nl-NL" dirty="0" smtClean="0"/>
+              <a:t>, </a:t>
             </a:r>
             <a:r>
               <a:rPr lang="nl-NL" dirty="0" err="1" smtClean="0"/>
@@ -8482,7 +8910,7 @@
           </p:nvPr>
         </p:nvPicPr>
         <p:blipFill>
-          <a:blip r:embed="rId2" cstate="print">
+          <a:blip r:embed="rId3" cstate="print">
             <a:extLst>
               <a:ext uri="{28A0092B-C50C-407E-A947-70E740481C1C}">
                 <a14:useLocalDpi xmlns:a14="http://schemas.microsoft.com/office/drawing/2010/main" val="0"/>
@@ -9162,7 +9590,15 @@
                   <a:srgbClr val="000000"/>
                 </a:solidFill>
               </a:rPr>
-              <a:t> </a:t>
+              <a:t> PEARL </a:t>
+            </a:r>
+            <a:r>
+              <a:rPr lang="nl-NL" dirty="0" err="1" smtClean="0">
+                <a:solidFill>
+                  <a:srgbClr val="000000"/>
+                </a:solidFill>
+              </a:rPr>
+              <a:t>did</a:t>
             </a:r>
             <a:r>
               <a:rPr lang="nl-NL" dirty="0" smtClean="0">
@@ -9170,7 +9606,7 @@
                   <a:srgbClr val="000000"/>
                 </a:solidFill>
               </a:rPr>
-              <a:t>PEARL </a:t>
+              <a:t> </a:t>
             </a:r>
             <a:r>
               <a:rPr lang="nl-NL" dirty="0" err="1" smtClean="0">
@@ -9178,7 +9614,7 @@
                   <a:srgbClr val="000000"/>
                 </a:solidFill>
               </a:rPr>
-              <a:t>did</a:t>
+              <a:t>better</a:t>
             </a:r>
             <a:r>
               <a:rPr lang="nl-NL" dirty="0" smtClean="0">
@@ -9194,7 +9630,7 @@
                   <a:srgbClr val="000000"/>
                 </a:solidFill>
               </a:rPr>
-              <a:t>better</a:t>
+              <a:t>than</a:t>
             </a:r>
             <a:r>
               <a:rPr lang="nl-NL" dirty="0" smtClean="0">
@@ -9202,7 +9638,7 @@
                   <a:srgbClr val="000000"/>
                 </a:solidFill>
               </a:rPr>
-              <a:t> </a:t>
+              <a:t> a </a:t>
             </a:r>
             <a:r>
               <a:rPr lang="nl-NL" dirty="0" err="1" smtClean="0">
@@ -9210,7 +9646,7 @@
                   <a:srgbClr val="000000"/>
                 </a:solidFill>
               </a:rPr>
-              <a:t>than</a:t>
+              <a:t>naive</a:t>
             </a:r>
             <a:r>
               <a:rPr lang="nl-NL" dirty="0" smtClean="0">
@@ -9218,37 +9654,8 @@
                   <a:srgbClr val="000000"/>
                 </a:solidFill>
               </a:rPr>
-              <a:t> a </a:t>
-            </a:r>
-            <a:r>
-              <a:rPr lang="nl-NL" dirty="0" err="1" smtClean="0">
-                <a:solidFill>
-                  <a:srgbClr val="000000"/>
-                </a:solidFill>
-              </a:rPr>
-              <a:t>naive</a:t>
-            </a:r>
-            <a:r>
-              <a:rPr lang="nl-NL" dirty="0" smtClean="0">
-                <a:solidFill>
-                  <a:srgbClr val="000000"/>
-                </a:solidFill>
-              </a:rPr>
-              <a:t> </a:t>
-            </a:r>
-            <a:r>
-              <a:rPr lang="nl-NL" dirty="0" smtClean="0">
-                <a:solidFill>
-                  <a:srgbClr val="000000"/>
-                </a:solidFill>
-              </a:rPr>
-              <a:t>forecast)</a:t>
-            </a:r>
-            <a:endParaRPr lang="nl-NL" dirty="0" smtClean="0">
-              <a:solidFill>
-                <a:srgbClr val="000000"/>
-              </a:solidFill>
-            </a:endParaRPr>
+              <a:t> forecast)</a:t>
+            </a:r>
           </a:p>
           <a:p>
             <a:pPr marL="0" indent="0">
@@ -9385,7 +9792,39 @@
           <a:p>
             <a:r>
               <a:rPr lang="nl-NL" dirty="0" smtClean="0"/>
-              <a:t>Migration in </a:t>
+              <a:t>Making </a:t>
+            </a:r>
+            <a:r>
+              <a:rPr lang="nl-NL" dirty="0" err="1" smtClean="0"/>
+              <a:t>assumptions</a:t>
+            </a:r>
+            <a:r>
+              <a:rPr lang="nl-NL" dirty="0" smtClean="0"/>
+              <a:t> on </a:t>
+            </a:r>
+            <a:r>
+              <a:rPr lang="nl-NL" dirty="0" err="1" smtClean="0"/>
+              <a:t>interregional</a:t>
+            </a:r>
+            <a:r>
+              <a:rPr lang="nl-NL" dirty="0" smtClean="0"/>
+              <a:t> </a:t>
+            </a:r>
+            <a:r>
+              <a:rPr lang="nl-NL" dirty="0" err="1" smtClean="0"/>
+              <a:t>mi</a:t>
+            </a:r>
+            <a:r>
+              <a:rPr lang="nl-NL" dirty="0" err="1" smtClean="0"/>
+              <a:t>gration</a:t>
+            </a:r>
+            <a:r>
+              <a:rPr lang="nl-NL" dirty="0" smtClean="0"/>
+              <a:t> </a:t>
+            </a:r>
+            <a:r>
+              <a:rPr lang="nl-NL" dirty="0" smtClean="0"/>
+              <a:t>in </a:t>
             </a:r>
             <a:r>
               <a:rPr lang="nl-NL" dirty="0" err="1" smtClean="0"/>
@@ -9409,43 +9848,29 @@
             <p:ph idx="1"/>
           </p:nvPr>
         </p:nvSpPr>
-        <p:spPr/>
+        <p:spPr>
+          <a:xfrm>
+            <a:off x="485775" y="2124075"/>
+            <a:ext cx="8172450" cy="4281488"/>
+          </a:xfrm>
+        </p:spPr>
         <p:txBody>
           <a:bodyPr/>
           <a:lstStyle/>
           <a:p>
             <a:r>
-              <a:rPr lang="nl-NL" dirty="0" err="1" smtClean="0"/>
-              <a:t>What</a:t>
-            </a:r>
-            <a:r>
-              <a:rPr lang="nl-NL" dirty="0" smtClean="0"/>
-              <a:t> </a:t>
-            </a:r>
-            <a:r>
-              <a:rPr lang="nl-NL" dirty="0" err="1" smtClean="0"/>
-              <a:t>now</a:t>
-            </a:r>
-            <a:r>
-              <a:rPr lang="nl-NL" dirty="0" smtClean="0"/>
-              <a:t>, </a:t>
-            </a:r>
-            <a:r>
-              <a:rPr lang="nl-NL" dirty="0" err="1" smtClean="0"/>
-              <a:t>six</a:t>
-            </a:r>
-            <a:r>
-              <a:rPr lang="nl-NL" dirty="0" smtClean="0"/>
-              <a:t> </a:t>
-            </a:r>
-            <a:r>
-              <a:rPr lang="nl-NL" dirty="0" err="1" smtClean="0"/>
-              <a:t>years</a:t>
-            </a:r>
-            <a:r>
-              <a:rPr lang="nl-NL" dirty="0" smtClean="0"/>
-              <a:t> later? </a:t>
-            </a:r>
+              <a:rPr lang="en-US" dirty="0" smtClean="0"/>
+              <a:t>We are currently in the stage of collecting and </a:t>
+            </a:r>
+            <a:r>
+              <a:rPr lang="en-US" dirty="0" err="1" smtClean="0"/>
+              <a:t>analysing</a:t>
+            </a:r>
+            <a:r>
+              <a:rPr lang="en-US" dirty="0" smtClean="0"/>
+              <a:t> the data </a:t>
+            </a:r>
+            <a:endParaRPr lang="nl-NL" dirty="0" smtClean="0"/>
           </a:p>
           <a:p>
             <a:r>
@@ -9501,7 +9926,35 @@
           <a:p>
             <a:r>
               <a:rPr lang="nl-NL" dirty="0" err="1" smtClean="0"/>
-              <a:t>Explosive</a:t>
+              <a:t>This</a:t>
+            </a:r>
+            <a:r>
+              <a:rPr lang="nl-NL" dirty="0" smtClean="0"/>
+              <a:t> has led </a:t>
+            </a:r>
+            <a:r>
+              <a:rPr lang="nl-NL" dirty="0" err="1" smtClean="0"/>
+              <a:t>to</a:t>
+            </a:r>
+            <a:r>
+              <a:rPr lang="nl-NL" dirty="0" smtClean="0"/>
+              <a:t> </a:t>
+            </a:r>
+            <a:r>
+              <a:rPr lang="nl-NL" dirty="0" err="1" smtClean="0"/>
+              <a:t>an</a:t>
+            </a:r>
+            <a:r>
+              <a:rPr lang="nl-NL" dirty="0" smtClean="0"/>
+              <a:t> </a:t>
+            </a:r>
+            <a:r>
+              <a:rPr lang="nl-NL" dirty="0" err="1" smtClean="0"/>
+              <a:t>e</a:t>
+            </a:r>
+            <a:r>
+              <a:rPr lang="nl-NL" dirty="0" err="1" smtClean="0"/>
+              <a:t>xplosive</a:t>
             </a:r>
             <a:r>
               <a:rPr lang="nl-NL" dirty="0" smtClean="0"/>

--- a/output/bsps-HUSBY.pptx
+++ b/output/bsps-HUSBY.pptx
@@ -1096,73 +1096,17 @@
           <a:lstStyle/>
           <a:p>
             <a:r>
-              <a:rPr lang="nl-NL" sz="1200" b="0" i="0" u="none" strike="noStrike" kern="1200" baseline="0" dirty="0" err="1" smtClean="0">
-                <a:solidFill>
-                  <a:schemeClr val="tx1"/>
-                </a:solidFill>
-                <a:latin typeface="Verdana" panose="020B0604030504040204" pitchFamily="34" charset="0"/>
-                <a:ea typeface="+mn-ea"/>
-                <a:cs typeface="Arial" panose="020B0604020202020204" pitchFamily="34" charset="0"/>
-              </a:rPr>
-              <a:t>Cij</a:t>
-            </a:r>
-            <a:r>
-              <a:rPr lang="nl-NL" sz="1200" b="0" i="0" u="none" strike="noStrike" kern="1200" baseline="0" dirty="0" smtClean="0">
-                <a:solidFill>
-                  <a:schemeClr val="tx1"/>
-                </a:solidFill>
-                <a:latin typeface="Verdana" panose="020B0604030504040204" pitchFamily="34" charset="0"/>
-                <a:ea typeface="+mn-ea"/>
-                <a:cs typeface="Arial" panose="020B0604020202020204" pitchFamily="34" charset="0"/>
-              </a:rPr>
-              <a:t>=</a:t>
-            </a:r>
-            <a:r>
-              <a:rPr lang="el-GR" sz="1200" b="0" i="0" u="none" strike="noStrike" kern="1200" baseline="0" dirty="0" smtClean="0">
-                <a:solidFill>
-                  <a:schemeClr val="tx1"/>
-                </a:solidFill>
-                <a:latin typeface="Verdana" panose="020B0604030504040204" pitchFamily="34" charset="0"/>
-                <a:ea typeface="+mn-ea"/>
-                <a:cs typeface="Arial" panose="020B0604020202020204" pitchFamily="34" charset="0"/>
-              </a:rPr>
-              <a:t>Σ</a:t>
-            </a:r>
-            <a:r>
-              <a:rPr lang="nl-NL" sz="1200" b="0" i="0" u="none" strike="noStrike" kern="1200" baseline="0" dirty="0" smtClean="0">
-                <a:solidFill>
-                  <a:schemeClr val="tx1"/>
-                </a:solidFill>
-                <a:latin typeface="Verdana" panose="020B0604030504040204" pitchFamily="34" charset="0"/>
-                <a:ea typeface="+mn-ea"/>
-                <a:cs typeface="Arial" panose="020B0604020202020204" pitchFamily="34" charset="0"/>
-              </a:rPr>
-              <a:t>k=1;k≠j;k≠iPk/</a:t>
-            </a:r>
-            <a:r>
-              <a:rPr lang="nl-NL" sz="1200" b="0" i="0" u="none" strike="noStrike" kern="1200" baseline="0" dirty="0" err="1" smtClean="0">
-                <a:solidFill>
-                  <a:schemeClr val="tx1"/>
-                </a:solidFill>
-                <a:latin typeface="Verdana" panose="020B0604030504040204" pitchFamily="34" charset="0"/>
-                <a:ea typeface="+mn-ea"/>
-                <a:cs typeface="Arial" panose="020B0604020202020204" pitchFamily="34" charset="0"/>
-              </a:rPr>
-              <a:t>Djk</a:t>
-            </a:r>
-            <a:r>
-              <a:rPr lang="nl-NL" sz="1200" b="0" i="0" u="none" strike="noStrike" kern="1200" baseline="0" dirty="0" smtClean="0">
-                <a:solidFill>
-                  <a:schemeClr val="tx1"/>
-                </a:solidFill>
-                <a:latin typeface="Verdana" panose="020B0604030504040204" pitchFamily="34" charset="0"/>
-                <a:ea typeface="+mn-ea"/>
-                <a:cs typeface="Arial" panose="020B0604020202020204" pitchFamily="34" charset="0"/>
-              </a:rPr>
-              <a:t> </a:t>
-            </a:r>
-          </a:p>
-          <a:p>
+              <a:rPr lang="en-US" dirty="0" smtClean="0"/>
+              <a:t>-The Population</a:t>
+            </a:r>
+            <a:r>
+              <a:rPr lang="en-US" baseline="0" dirty="0" smtClean="0"/>
+              <a:t> Forecast: by PBL and CBS, PRIMOS </a:t>
+            </a:r>
+            <a:r>
+              <a:rPr lang="en-US" baseline="0" dirty="0" err="1" smtClean="0"/>
+              <a:t>prognose</a:t>
+            </a:r>
             <a:endParaRPr lang="nl-NL" dirty="0"/>
           </a:p>
         </p:txBody>
@@ -1185,7 +1129,7 @@
             <a:fld id="{027E0D92-C339-4B6C-BF36-CE1057E46B7D}" type="slidenum">
               <a:rPr lang="nl-NL" altLang="nl-NL" smtClean="0"/>
               <a:pPr/>
-              <a:t>3</a:t>
+              <a:t>1</a:t>
             </a:fld>
             <a:endParaRPr lang="nl-NL" altLang="nl-NL"/>
           </a:p>
@@ -1194,7 +1138,7 @@
     </p:spTree>
     <p:extLst>
       <p:ext uri="{BB962C8B-B14F-4D97-AF65-F5344CB8AC3E}">
-        <p14:creationId xmlns:p14="http://schemas.microsoft.com/office/powerpoint/2010/main" val="3333000454"/>
+        <p14:creationId xmlns:p14="http://schemas.microsoft.com/office/powerpoint/2010/main" val="162089560"/>
       </p:ext>
     </p:extLst>
   </p:cSld>
@@ -1248,26 +1192,237 @@
           <a:bodyPr/>
           <a:lstStyle/>
           <a:p>
+            <a:r>
+              <a:rPr lang="en-US" sz="1200" b="0" i="0" u="none" strike="noStrike" kern="1200" baseline="0" dirty="0" smtClean="0">
+                <a:solidFill>
+                  <a:schemeClr val="tx1"/>
+                </a:solidFill>
+                <a:latin typeface="Verdana" panose="020B0604030504040204" pitchFamily="34" charset="0"/>
+                <a:ea typeface="+mn-ea"/>
+                <a:cs typeface="Arial" panose="020B0604020202020204" pitchFamily="34" charset="0"/>
+              </a:rPr>
+              <a:t>- 35 Cut- off: underlying assumption is that short-distance migration is driven by a wish to move to a new apartment. Cut-off is a result of a study examining whether housing was a main motive for moves of different ranges. </a:t>
+            </a:r>
+            <a:endParaRPr lang="nl-NL" sz="1200" b="0" i="0" u="none" strike="noStrike" kern="1200" baseline="0" dirty="0" smtClean="0">
+              <a:solidFill>
+                <a:schemeClr val="tx1"/>
+              </a:solidFill>
+              <a:latin typeface="Verdana" panose="020B0604030504040204" pitchFamily="34" charset="0"/>
+              <a:ea typeface="+mn-ea"/>
+              <a:cs typeface="Arial" panose="020B0604020202020204" pitchFamily="34" charset="0"/>
+            </a:endParaRPr>
+          </a:p>
+          <a:p>
             <a:pPr marL="171450" indent="-171450">
               <a:buFontTx/>
               <a:buChar char="-"/>
             </a:pPr>
             <a:r>
-              <a:rPr lang="en-US" dirty="0" smtClean="0"/>
-              <a:t>Corrected</a:t>
-            </a:r>
-            <a:r>
-              <a:rPr lang="en-US" baseline="0" dirty="0" smtClean="0"/>
-              <a:t> for </a:t>
-            </a:r>
-            <a:r>
-              <a:rPr lang="en-US" baseline="0" dirty="0" err="1" smtClean="0"/>
-              <a:t>municipalitiy</a:t>
-            </a:r>
-            <a:r>
-              <a:rPr lang="en-US" baseline="0" dirty="0" smtClean="0"/>
-              <a:t> changes</a:t>
-            </a:r>
+              <a:rPr lang="nl-NL" sz="1200" b="0" i="0" u="none" strike="noStrike" kern="1200" baseline="0" dirty="0" err="1" smtClean="0">
+                <a:solidFill>
+                  <a:schemeClr val="tx1"/>
+                </a:solidFill>
+                <a:latin typeface="Verdana" panose="020B0604030504040204" pitchFamily="34" charset="0"/>
+                <a:ea typeface="+mn-ea"/>
+                <a:cs typeface="Arial" panose="020B0604020202020204" pitchFamily="34" charset="0"/>
+              </a:rPr>
+              <a:t>Centrality</a:t>
+            </a:r>
+            <a:r>
+              <a:rPr lang="nl-NL" sz="1200" b="0" i="0" u="none" strike="noStrike" kern="1200" baseline="0" dirty="0" smtClean="0">
+                <a:solidFill>
+                  <a:schemeClr val="tx1"/>
+                </a:solidFill>
+                <a:latin typeface="Verdana" panose="020B0604030504040204" pitchFamily="34" charset="0"/>
+                <a:ea typeface="+mn-ea"/>
+                <a:cs typeface="Arial" panose="020B0604020202020204" pitchFamily="34" charset="0"/>
+              </a:rPr>
+              <a:t> </a:t>
+            </a:r>
+            <a:r>
+              <a:rPr lang="nl-NL" sz="1200" b="0" i="0" u="none" strike="noStrike" kern="1200" baseline="0" dirty="0" err="1" smtClean="0">
+                <a:solidFill>
+                  <a:schemeClr val="tx1"/>
+                </a:solidFill>
+                <a:latin typeface="Verdana" panose="020B0604030504040204" pitchFamily="34" charset="0"/>
+                <a:ea typeface="+mn-ea"/>
+                <a:cs typeface="Arial" panose="020B0604020202020204" pitchFamily="34" charset="0"/>
+              </a:rPr>
+              <a:t>measure</a:t>
+            </a:r>
+            <a:r>
+              <a:rPr lang="nl-NL" sz="1200" b="0" i="0" u="none" strike="noStrike" kern="1200" baseline="0" dirty="0" smtClean="0">
+                <a:solidFill>
+                  <a:schemeClr val="tx1"/>
+                </a:solidFill>
+                <a:latin typeface="Verdana" panose="020B0604030504040204" pitchFamily="34" charset="0"/>
+                <a:ea typeface="+mn-ea"/>
+                <a:cs typeface="Arial" panose="020B0604020202020204" pitchFamily="34" charset="0"/>
+              </a:rPr>
+              <a:t>: </a:t>
+            </a:r>
+            <a:r>
+              <a:rPr lang="nl-NL" sz="1200" b="0" i="0" u="none" strike="noStrike" kern="1200" baseline="0" dirty="0" err="1" smtClean="0">
+                <a:solidFill>
+                  <a:schemeClr val="tx1"/>
+                </a:solidFill>
+                <a:latin typeface="Verdana" panose="020B0604030504040204" pitchFamily="34" charset="0"/>
+                <a:ea typeface="+mn-ea"/>
+                <a:cs typeface="Arial" panose="020B0604020202020204" pitchFamily="34" charset="0"/>
+              </a:rPr>
+              <a:t>how</a:t>
+            </a:r>
+            <a:r>
+              <a:rPr lang="nl-NL" sz="1200" b="0" i="0" u="none" strike="noStrike" kern="1200" baseline="0" dirty="0" smtClean="0">
+                <a:solidFill>
+                  <a:schemeClr val="tx1"/>
+                </a:solidFill>
+                <a:latin typeface="Verdana" panose="020B0604030504040204" pitchFamily="34" charset="0"/>
+                <a:ea typeface="+mn-ea"/>
+                <a:cs typeface="Arial" panose="020B0604020202020204" pitchFamily="34" charset="0"/>
+              </a:rPr>
+              <a:t> </a:t>
+            </a:r>
+            <a:r>
+              <a:rPr lang="nl-NL" sz="1200" b="0" i="0" u="none" strike="noStrike" kern="1200" baseline="0" dirty="0" err="1" smtClean="0">
+                <a:solidFill>
+                  <a:schemeClr val="tx1"/>
+                </a:solidFill>
+                <a:latin typeface="Verdana" panose="020B0604030504040204" pitchFamily="34" charset="0"/>
+                <a:ea typeface="+mn-ea"/>
+                <a:cs typeface="Arial" panose="020B0604020202020204" pitchFamily="34" charset="0"/>
+              </a:rPr>
+              <a:t>attractive</a:t>
+            </a:r>
+            <a:r>
+              <a:rPr lang="nl-NL" sz="1200" b="0" i="0" u="none" strike="noStrike" kern="1200" baseline="0" dirty="0" smtClean="0">
+                <a:solidFill>
+                  <a:schemeClr val="tx1"/>
+                </a:solidFill>
+                <a:latin typeface="Verdana" panose="020B0604030504040204" pitchFamily="34" charset="0"/>
+                <a:ea typeface="+mn-ea"/>
+                <a:cs typeface="Arial" panose="020B0604020202020204" pitchFamily="34" charset="0"/>
+              </a:rPr>
+              <a:t> is i </a:t>
+            </a:r>
+            <a:r>
+              <a:rPr lang="nl-NL" sz="1200" b="0" i="0" u="none" strike="noStrike" kern="1200" baseline="0" dirty="0" err="1" smtClean="0">
+                <a:solidFill>
+                  <a:schemeClr val="tx1"/>
+                </a:solidFill>
+                <a:latin typeface="Verdana" panose="020B0604030504040204" pitchFamily="34" charset="0"/>
+                <a:ea typeface="+mn-ea"/>
+                <a:cs typeface="Arial" panose="020B0604020202020204" pitchFamily="34" charset="0"/>
+              </a:rPr>
+              <a:t>compared</a:t>
+            </a:r>
+            <a:r>
+              <a:rPr lang="nl-NL" sz="1200" b="0" i="0" u="none" strike="noStrike" kern="1200" baseline="0" dirty="0" smtClean="0">
+                <a:solidFill>
+                  <a:schemeClr val="tx1"/>
+                </a:solidFill>
+                <a:latin typeface="Verdana" panose="020B0604030504040204" pitchFamily="34" charset="0"/>
+                <a:ea typeface="+mn-ea"/>
+                <a:cs typeface="Arial" panose="020B0604020202020204" pitchFamily="34" charset="0"/>
+              </a:rPr>
+              <a:t> </a:t>
+            </a:r>
+            <a:r>
+              <a:rPr lang="nl-NL" sz="1200" b="0" i="0" u="none" strike="noStrike" kern="1200" baseline="0" dirty="0" err="1" smtClean="0">
+                <a:solidFill>
+                  <a:schemeClr val="tx1"/>
+                </a:solidFill>
+                <a:latin typeface="Verdana" panose="020B0604030504040204" pitchFamily="34" charset="0"/>
+                <a:ea typeface="+mn-ea"/>
+                <a:cs typeface="Arial" panose="020B0604020202020204" pitchFamily="34" charset="0"/>
+              </a:rPr>
+              <a:t>to</a:t>
+            </a:r>
+            <a:r>
+              <a:rPr lang="nl-NL" sz="1200" b="0" i="0" u="none" strike="noStrike" kern="1200" baseline="0" dirty="0" smtClean="0">
+                <a:solidFill>
+                  <a:schemeClr val="tx1"/>
+                </a:solidFill>
+                <a:latin typeface="Verdana" panose="020B0604030504040204" pitchFamily="34" charset="0"/>
+                <a:ea typeface="+mn-ea"/>
+                <a:cs typeface="Arial" panose="020B0604020202020204" pitchFamily="34" charset="0"/>
+              </a:rPr>
+              <a:t>  </a:t>
+            </a:r>
+            <a:r>
+              <a:rPr lang="nl-NL" sz="1200" b="0" i="0" u="none" strike="noStrike" kern="1200" baseline="0" dirty="0" err="1" smtClean="0">
+                <a:solidFill>
+                  <a:schemeClr val="tx1"/>
+                </a:solidFill>
+                <a:latin typeface="Verdana" panose="020B0604030504040204" pitchFamily="34" charset="0"/>
+                <a:ea typeface="+mn-ea"/>
+                <a:cs typeface="Arial" panose="020B0604020202020204" pitchFamily="34" charset="0"/>
+              </a:rPr>
+              <a:t>Cij</a:t>
+            </a:r>
+            <a:r>
+              <a:rPr lang="nl-NL" sz="1200" b="0" i="0" u="none" strike="noStrike" kern="1200" baseline="0" dirty="0" smtClean="0">
+                <a:solidFill>
+                  <a:schemeClr val="tx1"/>
+                </a:solidFill>
+                <a:latin typeface="Verdana" panose="020B0604030504040204" pitchFamily="34" charset="0"/>
+                <a:ea typeface="+mn-ea"/>
+                <a:cs typeface="Arial" panose="020B0604020202020204" pitchFamily="34" charset="0"/>
+              </a:rPr>
+              <a:t>=</a:t>
+            </a:r>
+            <a:r>
+              <a:rPr lang="el-GR" sz="1200" b="0" i="0" u="none" strike="noStrike" kern="1200" baseline="0" dirty="0" smtClean="0">
+                <a:solidFill>
+                  <a:schemeClr val="tx1"/>
+                </a:solidFill>
+                <a:latin typeface="Verdana" panose="020B0604030504040204" pitchFamily="34" charset="0"/>
+                <a:ea typeface="+mn-ea"/>
+                <a:cs typeface="Arial" panose="020B0604020202020204" pitchFamily="34" charset="0"/>
+              </a:rPr>
+              <a:t>Σ</a:t>
+            </a:r>
+            <a:r>
+              <a:rPr lang="nl-NL" sz="1200" b="0" i="0" u="none" strike="noStrike" kern="1200" baseline="0" dirty="0" smtClean="0">
+                <a:solidFill>
+                  <a:schemeClr val="tx1"/>
+                </a:solidFill>
+                <a:latin typeface="Verdana" panose="020B0604030504040204" pitchFamily="34" charset="0"/>
+                <a:ea typeface="+mn-ea"/>
+                <a:cs typeface="Arial" panose="020B0604020202020204" pitchFamily="34" charset="0"/>
+              </a:rPr>
+              <a:t>k=1;k≠j;k≠</a:t>
+            </a:r>
+            <a:r>
+              <a:rPr lang="nl-NL" sz="1200" b="0" i="0" u="none" strike="noStrike" kern="1200" baseline="0" dirty="0" smtClean="0">
+                <a:solidFill>
+                  <a:schemeClr val="tx1"/>
+                </a:solidFill>
+                <a:latin typeface="Verdana" panose="020B0604030504040204" pitchFamily="34" charset="0"/>
+                <a:ea typeface="+mn-ea"/>
+                <a:cs typeface="Arial" panose="020B0604020202020204" pitchFamily="34" charset="0"/>
+              </a:rPr>
+              <a:t>iPk/</a:t>
+            </a:r>
+            <a:r>
+              <a:rPr lang="nl-NL" sz="1200" b="0" i="0" u="none" strike="noStrike" kern="1200" baseline="0" dirty="0" err="1" smtClean="0">
+                <a:solidFill>
+                  <a:schemeClr val="tx1"/>
+                </a:solidFill>
+                <a:latin typeface="Verdana" panose="020B0604030504040204" pitchFamily="34" charset="0"/>
+                <a:ea typeface="+mn-ea"/>
+                <a:cs typeface="Arial" panose="020B0604020202020204" pitchFamily="34" charset="0"/>
+              </a:rPr>
+              <a:t>Djk</a:t>
+            </a:r>
+            <a:endParaRPr lang="nl-NL" sz="1200" b="0" i="0" u="none" strike="noStrike" kern="1200" baseline="0" dirty="0" smtClean="0">
+              <a:solidFill>
+                <a:schemeClr val="tx1"/>
+              </a:solidFill>
+              <a:latin typeface="Verdana" panose="020B0604030504040204" pitchFamily="34" charset="0"/>
+              <a:ea typeface="+mn-ea"/>
+              <a:cs typeface="Arial" panose="020B0604020202020204" pitchFamily="34" charset="0"/>
+            </a:endParaRPr>
           </a:p>
           <a:p>
             <a:pPr marL="171450" indent="-171450">
@@ -1275,9 +1430,183 @@
               <a:buChar char="-"/>
             </a:pPr>
             <a:r>
-              <a:rPr lang="en-US" baseline="0" dirty="0" smtClean="0"/>
-              <a:t>Between -5 and 5, average absolute error of 1.85 </a:t>
-            </a:r>
+              <a:rPr lang="nl-NL" sz="1200" b="0" i="0" u="none" strike="noStrike" kern="1200" baseline="0" dirty="0" err="1" smtClean="0">
+                <a:solidFill>
+                  <a:schemeClr val="tx1"/>
+                </a:solidFill>
+                <a:latin typeface="Verdana" panose="020B0604030504040204" pitchFamily="34" charset="0"/>
+                <a:ea typeface="+mn-ea"/>
+                <a:cs typeface="Arial" panose="020B0604020202020204" pitchFamily="34" charset="0"/>
+              </a:rPr>
+              <a:t>Estimated</a:t>
+            </a:r>
+            <a:r>
+              <a:rPr lang="nl-NL" sz="1200" b="0" i="0" u="none" strike="noStrike" kern="1200" baseline="0" dirty="0" smtClean="0">
+                <a:solidFill>
+                  <a:schemeClr val="tx1"/>
+                </a:solidFill>
+                <a:latin typeface="Verdana" panose="020B0604030504040204" pitchFamily="34" charset="0"/>
+                <a:ea typeface="+mn-ea"/>
+                <a:cs typeface="Arial" panose="020B0604020202020204" pitchFamily="34" charset="0"/>
+              </a:rPr>
+              <a:t> parameters are </a:t>
+            </a:r>
+            <a:r>
+              <a:rPr lang="nl-NL" sz="1200" b="0" i="0" u="none" strike="noStrike" kern="1200" baseline="0" dirty="0" err="1" smtClean="0">
+                <a:solidFill>
+                  <a:schemeClr val="tx1"/>
+                </a:solidFill>
+                <a:latin typeface="Verdana" panose="020B0604030504040204" pitchFamily="34" charset="0"/>
+                <a:ea typeface="+mn-ea"/>
+                <a:cs typeface="Arial" panose="020B0604020202020204" pitchFamily="34" charset="0"/>
+              </a:rPr>
+              <a:t>elasticities</a:t>
+            </a:r>
+            <a:r>
+              <a:rPr lang="nl-NL" sz="1200" b="0" i="0" u="none" strike="noStrike" kern="1200" baseline="0" dirty="0" smtClean="0">
+                <a:solidFill>
+                  <a:schemeClr val="tx1"/>
+                </a:solidFill>
+                <a:latin typeface="Verdana" panose="020B0604030504040204" pitchFamily="34" charset="0"/>
+                <a:ea typeface="+mn-ea"/>
+                <a:cs typeface="Arial" panose="020B0604020202020204" pitchFamily="34" charset="0"/>
+              </a:rPr>
+              <a:t> of </a:t>
+            </a:r>
+            <a:r>
+              <a:rPr lang="nl-NL" sz="1200" b="0" i="0" u="none" strike="noStrike" kern="1200" baseline="0" dirty="0" err="1" smtClean="0">
+                <a:solidFill>
+                  <a:schemeClr val="tx1"/>
+                </a:solidFill>
+                <a:latin typeface="Verdana" panose="020B0604030504040204" pitchFamily="34" charset="0"/>
+                <a:ea typeface="+mn-ea"/>
+                <a:cs typeface="Arial" panose="020B0604020202020204" pitchFamily="34" charset="0"/>
+              </a:rPr>
+              <a:t>each</a:t>
+            </a:r>
+            <a:r>
+              <a:rPr lang="nl-NL" sz="1200" b="0" i="0" u="none" strike="noStrike" kern="1200" baseline="0" dirty="0" smtClean="0">
+                <a:solidFill>
+                  <a:schemeClr val="tx1"/>
+                </a:solidFill>
+                <a:latin typeface="Verdana" panose="020B0604030504040204" pitchFamily="34" charset="0"/>
+                <a:ea typeface="+mn-ea"/>
+                <a:cs typeface="Arial" panose="020B0604020202020204" pitchFamily="34" charset="0"/>
+              </a:rPr>
+              <a:t> independent </a:t>
+            </a:r>
+            <a:r>
+              <a:rPr lang="nl-NL" sz="1200" b="0" i="0" u="none" strike="noStrike" kern="1200" baseline="0" dirty="0" err="1" smtClean="0">
+                <a:solidFill>
+                  <a:schemeClr val="tx1"/>
+                </a:solidFill>
+                <a:latin typeface="Verdana" panose="020B0604030504040204" pitchFamily="34" charset="0"/>
+                <a:ea typeface="+mn-ea"/>
+                <a:cs typeface="Arial" panose="020B0604020202020204" pitchFamily="34" charset="0"/>
+              </a:rPr>
+              <a:t>variable</a:t>
+            </a:r>
+            <a:endParaRPr lang="nl-NL" sz="1200" b="0" i="0" u="none" strike="noStrike" kern="1200" baseline="0" dirty="0" smtClean="0">
+              <a:solidFill>
+                <a:schemeClr val="tx1"/>
+              </a:solidFill>
+              <a:latin typeface="Verdana" panose="020B0604030504040204" pitchFamily="34" charset="0"/>
+              <a:ea typeface="+mn-ea"/>
+              <a:cs typeface="Arial" panose="020B0604020202020204" pitchFamily="34" charset="0"/>
+            </a:endParaRPr>
+          </a:p>
+          <a:p>
+            <a:pPr marL="171450" indent="-171450">
+              <a:buFontTx/>
+              <a:buChar char="-"/>
+            </a:pPr>
+            <a:r>
+              <a:rPr lang="nl-NL" sz="1200" b="0" i="0" u="none" strike="noStrike" kern="1200" baseline="0" dirty="0" smtClean="0">
+                <a:solidFill>
+                  <a:schemeClr val="tx1"/>
+                </a:solidFill>
+                <a:latin typeface="Verdana" panose="020B0604030504040204" pitchFamily="34" charset="0"/>
+                <a:ea typeface="+mn-ea"/>
+                <a:cs typeface="Arial" panose="020B0604020202020204" pitchFamily="34" charset="0"/>
+              </a:rPr>
+              <a:t>Model is </a:t>
+            </a:r>
+            <a:r>
+              <a:rPr lang="nl-NL" sz="1200" b="0" i="0" u="none" strike="noStrike" kern="1200" baseline="0" dirty="0" err="1" smtClean="0">
+                <a:solidFill>
+                  <a:schemeClr val="tx1"/>
+                </a:solidFill>
+                <a:latin typeface="Verdana" panose="020B0604030504040204" pitchFamily="34" charset="0"/>
+                <a:ea typeface="+mn-ea"/>
+                <a:cs typeface="Arial" panose="020B0604020202020204" pitchFamily="34" charset="0"/>
+              </a:rPr>
+              <a:t>linearised</a:t>
+            </a:r>
+            <a:r>
+              <a:rPr lang="nl-NL" sz="1200" b="0" i="0" u="none" strike="noStrike" kern="1200" baseline="0" dirty="0" smtClean="0">
+                <a:solidFill>
+                  <a:schemeClr val="tx1"/>
+                </a:solidFill>
+                <a:latin typeface="Verdana" panose="020B0604030504040204" pitchFamily="34" charset="0"/>
+                <a:ea typeface="+mn-ea"/>
+                <a:cs typeface="Arial" panose="020B0604020202020204" pitchFamily="34" charset="0"/>
+              </a:rPr>
+              <a:t> </a:t>
+            </a:r>
+            <a:r>
+              <a:rPr lang="nl-NL" sz="1200" b="0" i="0" u="none" strike="noStrike" kern="1200" baseline="0" dirty="0" err="1" smtClean="0">
+                <a:solidFill>
+                  <a:schemeClr val="tx1"/>
+                </a:solidFill>
+                <a:latin typeface="Verdana" panose="020B0604030504040204" pitchFamily="34" charset="0"/>
+                <a:ea typeface="+mn-ea"/>
+                <a:cs typeface="Arial" panose="020B0604020202020204" pitchFamily="34" charset="0"/>
+              </a:rPr>
+              <a:t>and</a:t>
+            </a:r>
+            <a:r>
+              <a:rPr lang="nl-NL" sz="1200" b="0" i="0" u="none" strike="noStrike" kern="1200" baseline="0" dirty="0" smtClean="0">
+                <a:solidFill>
+                  <a:schemeClr val="tx1"/>
+                </a:solidFill>
+                <a:latin typeface="Verdana" panose="020B0604030504040204" pitchFamily="34" charset="0"/>
+                <a:ea typeface="+mn-ea"/>
+                <a:cs typeface="Arial" panose="020B0604020202020204" pitchFamily="34" charset="0"/>
+              </a:rPr>
+              <a:t> parameters are </a:t>
+            </a:r>
+            <a:r>
+              <a:rPr lang="nl-NL" sz="1200" b="0" i="0" u="none" strike="noStrike" kern="1200" baseline="0" dirty="0" err="1" smtClean="0">
+                <a:solidFill>
+                  <a:schemeClr val="tx1"/>
+                </a:solidFill>
+                <a:latin typeface="Verdana" panose="020B0604030504040204" pitchFamily="34" charset="0"/>
+                <a:ea typeface="+mn-ea"/>
+                <a:cs typeface="Arial" panose="020B0604020202020204" pitchFamily="34" charset="0"/>
+              </a:rPr>
+              <a:t>estimated</a:t>
+            </a:r>
+            <a:r>
+              <a:rPr lang="nl-NL" sz="1200" b="0" i="0" u="none" strike="noStrike" kern="1200" baseline="0" dirty="0" smtClean="0">
+                <a:solidFill>
+                  <a:schemeClr val="tx1"/>
+                </a:solidFill>
+                <a:latin typeface="Verdana" panose="020B0604030504040204" pitchFamily="34" charset="0"/>
+                <a:ea typeface="+mn-ea"/>
+                <a:cs typeface="Arial" panose="020B0604020202020204" pitchFamily="34" charset="0"/>
+              </a:rPr>
+              <a:t> </a:t>
+            </a:r>
+            <a:endParaRPr lang="nl-NL" sz="1200" b="0" i="0" u="none" strike="noStrike" kern="1200" baseline="0" dirty="0" smtClean="0">
+              <a:solidFill>
+                <a:schemeClr val="tx1"/>
+              </a:solidFill>
+              <a:latin typeface="Verdana" panose="020B0604030504040204" pitchFamily="34" charset="0"/>
+              <a:ea typeface="+mn-ea"/>
+              <a:cs typeface="Arial" panose="020B0604020202020204" pitchFamily="34" charset="0"/>
+            </a:endParaRPr>
+          </a:p>
+          <a:p>
             <a:endParaRPr lang="nl-NL" dirty="0"/>
           </a:p>
         </p:txBody>
@@ -1300,7 +1629,7 @@
             <a:fld id="{027E0D92-C339-4B6C-BF36-CE1057E46B7D}" type="slidenum">
               <a:rPr lang="nl-NL" altLang="nl-NL" smtClean="0"/>
               <a:pPr/>
-              <a:t>6</a:t>
+              <a:t>3</a:t>
             </a:fld>
             <a:endParaRPr lang="nl-NL" altLang="nl-NL"/>
           </a:p>
@@ -1309,7 +1638,7 @@
     </p:spTree>
     <p:extLst>
       <p:ext uri="{BB962C8B-B14F-4D97-AF65-F5344CB8AC3E}">
-        <p14:creationId xmlns:p14="http://schemas.microsoft.com/office/powerpoint/2010/main" val="3567959163"/>
+        <p14:creationId xmlns:p14="http://schemas.microsoft.com/office/powerpoint/2010/main" val="3333000454"/>
       </p:ext>
     </p:extLst>
   </p:cSld>
@@ -1369,11 +1698,19 @@
             </a:pPr>
             <a:r>
               <a:rPr lang="en-US" dirty="0" smtClean="0"/>
-              <a:t>Forecasting errors are smaller in larger</a:t>
+              <a:t>Corrected</a:t>
             </a:r>
             <a:r>
               <a:rPr lang="en-US" baseline="0" dirty="0" smtClean="0"/>
-              <a:t> municipalities</a:t>
+              <a:t> for </a:t>
+            </a:r>
+            <a:r>
+              <a:rPr lang="en-US" baseline="0" dirty="0" err="1" smtClean="0"/>
+              <a:t>municipalitiy</a:t>
+            </a:r>
+            <a:r>
+              <a:rPr lang="en-US" baseline="0" dirty="0" smtClean="0"/>
+              <a:t> changes</a:t>
             </a:r>
           </a:p>
           <a:p>
@@ -1383,35 +1720,7 @@
             </a:pPr>
             <a:r>
               <a:rPr lang="en-US" baseline="0" dirty="0" smtClean="0"/>
-              <a:t>Seems that (positive) errors are concentrated in municipalities close to large municipalities</a:t>
-            </a:r>
-          </a:p>
-          <a:p>
-            <a:pPr marL="171450" indent="-171450">
-              <a:buFontTx/>
-              <a:buChar char="-"/>
-            </a:pPr>
-            <a:r>
-              <a:rPr lang="en-US" baseline="0" dirty="0" smtClean="0"/>
-              <a:t>Groningen: city of Groningen is a regional </a:t>
-            </a:r>
-            <a:r>
-              <a:rPr lang="en-US" baseline="0" dirty="0" err="1" smtClean="0"/>
-              <a:t>centre</a:t>
-            </a:r>
-            <a:r>
-              <a:rPr lang="en-US" baseline="0" dirty="0" smtClean="0"/>
-              <a:t>, migration to Groningen affects surrounding municipalities</a:t>
-            </a:r>
-          </a:p>
-          <a:p>
-            <a:pPr marL="171450" indent="-171450">
-              <a:buFontTx/>
-              <a:buChar char="-"/>
-            </a:pPr>
-            <a:r>
-              <a:rPr lang="en-US" baseline="0" dirty="0" smtClean="0"/>
-              <a:t>Almere: within commuting distance from Amsterdam, destination for households working in Amsterdam who wish to own a house</a:t>
+              <a:t>Between -5 and 5, average absolute error of 1.85 </a:t>
             </a:r>
             <a:endParaRPr lang="nl-NL" dirty="0"/>
           </a:p>
@@ -1435,7 +1744,7 @@
             <a:fld id="{027E0D92-C339-4B6C-BF36-CE1057E46B7D}" type="slidenum">
               <a:rPr lang="nl-NL" altLang="nl-NL" smtClean="0"/>
               <a:pPr/>
-              <a:t>7</a:t>
+              <a:t>6</a:t>
             </a:fld>
             <a:endParaRPr lang="nl-NL" altLang="nl-NL"/>
           </a:p>
@@ -1444,7 +1753,7 @@
     </p:spTree>
     <p:extLst>
       <p:ext uri="{BB962C8B-B14F-4D97-AF65-F5344CB8AC3E}">
-        <p14:creationId xmlns:p14="http://schemas.microsoft.com/office/powerpoint/2010/main" val="4092768836"/>
+        <p14:creationId xmlns:p14="http://schemas.microsoft.com/office/powerpoint/2010/main" val="3567959163"/>
       </p:ext>
     </p:extLst>
   </p:cSld>
@@ -1498,6 +1807,141 @@
           <a:bodyPr/>
           <a:lstStyle/>
           <a:p>
+            <a:pPr marL="171450" indent="-171450">
+              <a:buFontTx/>
+              <a:buChar char="-"/>
+            </a:pPr>
+            <a:r>
+              <a:rPr lang="en-US" dirty="0" smtClean="0"/>
+              <a:t>Forecasting errors are smaller in larger</a:t>
+            </a:r>
+            <a:r>
+              <a:rPr lang="en-US" baseline="0" dirty="0" smtClean="0"/>
+              <a:t> municipalities</a:t>
+            </a:r>
+          </a:p>
+          <a:p>
+            <a:pPr marL="171450" indent="-171450">
+              <a:buFontTx/>
+              <a:buChar char="-"/>
+            </a:pPr>
+            <a:r>
+              <a:rPr lang="en-US" baseline="0" dirty="0" smtClean="0"/>
+              <a:t>Seems that (positive) errors are concentrated in municipalities close to large municipalities</a:t>
+            </a:r>
+          </a:p>
+          <a:p>
+            <a:pPr marL="171450" indent="-171450">
+              <a:buFontTx/>
+              <a:buChar char="-"/>
+            </a:pPr>
+            <a:r>
+              <a:rPr lang="en-US" baseline="0" dirty="0" smtClean="0"/>
+              <a:t>Groningen: city of Groningen is a regional </a:t>
+            </a:r>
+            <a:r>
+              <a:rPr lang="en-US" baseline="0" dirty="0" err="1" smtClean="0"/>
+              <a:t>centre</a:t>
+            </a:r>
+            <a:r>
+              <a:rPr lang="en-US" baseline="0" dirty="0" smtClean="0"/>
+              <a:t>, migration to Groningen affects surrounding municipalities</a:t>
+            </a:r>
+          </a:p>
+          <a:p>
+            <a:pPr marL="171450" indent="-171450">
+              <a:buFontTx/>
+              <a:buChar char="-"/>
+            </a:pPr>
+            <a:r>
+              <a:rPr lang="en-US" baseline="0" dirty="0" smtClean="0"/>
+              <a:t>Almere: within commuting distance from Amsterdam, destination for households working in Amsterdam who wish to own a house</a:t>
+            </a:r>
+            <a:endParaRPr lang="nl-NL" dirty="0"/>
+          </a:p>
+        </p:txBody>
+      </p:sp>
+      <p:sp>
+        <p:nvSpPr>
+          <p:cNvPr id="4" name="Slide Number Placeholder 3"/>
+          <p:cNvSpPr>
+            <a:spLocks noGrp="1"/>
+          </p:cNvSpPr>
+          <p:nvPr>
+            <p:ph type="sldNum" sz="quarter" idx="10"/>
+          </p:nvPr>
+        </p:nvSpPr>
+        <p:spPr/>
+        <p:txBody>
+          <a:bodyPr/>
+          <a:lstStyle/>
+          <a:p>
+            <a:fld id="{027E0D92-C339-4B6C-BF36-CE1057E46B7D}" type="slidenum">
+              <a:rPr lang="nl-NL" altLang="nl-NL" smtClean="0"/>
+              <a:pPr/>
+              <a:t>7</a:t>
+            </a:fld>
+            <a:endParaRPr lang="nl-NL" altLang="nl-NL"/>
+          </a:p>
+        </p:txBody>
+      </p:sp>
+    </p:spTree>
+    <p:extLst>
+      <p:ext uri="{BB962C8B-B14F-4D97-AF65-F5344CB8AC3E}">
+        <p14:creationId xmlns:p14="http://schemas.microsoft.com/office/powerpoint/2010/main" val="4092768836"/>
+      </p:ext>
+    </p:extLst>
+  </p:cSld>
+  <p:clrMapOvr>
+    <a:masterClrMapping/>
+  </p:clrMapOvr>
+</p:notes>
+</file>
+
+<file path=ppt/notesSlides/notesSlide5.xml><?xml version="1.0" encoding="utf-8"?>
+<p:notes xmlns:a="http://schemas.openxmlformats.org/drawingml/2006/main" xmlns:r="http://schemas.openxmlformats.org/officeDocument/2006/relationships" xmlns:p="http://schemas.openxmlformats.org/presentationml/2006/main">
+  <p:cSld>
+    <p:spTree>
+      <p:nvGrpSpPr>
+        <p:cNvPr id="1" name=""/>
+        <p:cNvGrpSpPr/>
+        <p:nvPr/>
+      </p:nvGrpSpPr>
+      <p:grpSpPr>
+        <a:xfrm>
+          <a:off x="0" y="0"/>
+          <a:ext cx="0" cy="0"/>
+          <a:chOff x="0" y="0"/>
+          <a:chExt cx="0" cy="0"/>
+        </a:xfrm>
+      </p:grpSpPr>
+      <p:sp>
+        <p:nvSpPr>
+          <p:cNvPr id="2" name="Slide Image Placeholder 1"/>
+          <p:cNvSpPr>
+            <a:spLocks noGrp="1" noRot="1" noChangeAspect="1"/>
+          </p:cNvSpPr>
+          <p:nvPr>
+            <p:ph type="sldImg"/>
+          </p:nvPr>
+        </p:nvSpPr>
+        <p:spPr/>
+      </p:sp>
+      <p:sp>
+        <p:nvSpPr>
+          <p:cNvPr id="3" name="Notes Placeholder 2"/>
+          <p:cNvSpPr>
+            <a:spLocks noGrp="1"/>
+          </p:cNvSpPr>
+          <p:nvPr>
+            <p:ph type="body" idx="1"/>
+          </p:nvPr>
+        </p:nvSpPr>
+        <p:spPr/>
+        <p:txBody>
+          <a:bodyPr/>
+          <a:lstStyle/>
+          <a:p>
             <a:r>
               <a:rPr lang="en-US" dirty="0" smtClean="0"/>
               <a:t>-Frequency</a:t>
@@ -1560,6 +2004,110 @@
     <p:extLst>
       <p:ext uri="{BB962C8B-B14F-4D97-AF65-F5344CB8AC3E}">
         <p14:creationId xmlns:p14="http://schemas.microsoft.com/office/powerpoint/2010/main" val="2979053229"/>
+      </p:ext>
+    </p:extLst>
+  </p:cSld>
+  <p:clrMapOvr>
+    <a:masterClrMapping/>
+  </p:clrMapOvr>
+</p:notes>
+</file>
+
+<file path=ppt/notesSlides/notesSlide6.xml><?xml version="1.0" encoding="utf-8"?>
+<p:notes xmlns:a="http://schemas.openxmlformats.org/drawingml/2006/main" xmlns:r="http://schemas.openxmlformats.org/officeDocument/2006/relationships" xmlns:p="http://schemas.openxmlformats.org/presentationml/2006/main">
+  <p:cSld>
+    <p:spTree>
+      <p:nvGrpSpPr>
+        <p:cNvPr id="1" name=""/>
+        <p:cNvGrpSpPr/>
+        <p:nvPr/>
+      </p:nvGrpSpPr>
+      <p:grpSpPr>
+        <a:xfrm>
+          <a:off x="0" y="0"/>
+          <a:ext cx="0" cy="0"/>
+          <a:chOff x="0" y="0"/>
+          <a:chExt cx="0" cy="0"/>
+        </a:xfrm>
+      </p:grpSpPr>
+      <p:sp>
+        <p:nvSpPr>
+          <p:cNvPr id="2" name="Slide Image Placeholder 1"/>
+          <p:cNvSpPr>
+            <a:spLocks noGrp="1" noRot="1" noChangeAspect="1"/>
+          </p:cNvSpPr>
+          <p:nvPr>
+            <p:ph type="sldImg"/>
+          </p:nvPr>
+        </p:nvSpPr>
+        <p:spPr/>
+      </p:sp>
+      <p:sp>
+        <p:nvSpPr>
+          <p:cNvPr id="3" name="Notes Placeholder 2"/>
+          <p:cNvSpPr>
+            <a:spLocks noGrp="1"/>
+          </p:cNvSpPr>
+          <p:nvPr>
+            <p:ph type="body" idx="1"/>
+          </p:nvPr>
+        </p:nvSpPr>
+        <p:spPr/>
+        <p:txBody>
+          <a:bodyPr/>
+          <a:lstStyle/>
+          <a:p>
+            <a:r>
+              <a:rPr lang="en-US" dirty="0" smtClean="0"/>
+              <a:t>- Figure on</a:t>
+            </a:r>
+            <a:r>
+              <a:rPr lang="en-US" baseline="0" dirty="0" smtClean="0"/>
+              <a:t> the right: arrivals, net of departures in Amsterdam. Positive, and increasing in the age group 18-24. Age group 30-39, negative</a:t>
+            </a:r>
+            <a:endParaRPr lang="en-US" dirty="0" smtClean="0"/>
+          </a:p>
+          <a:p>
+            <a:r>
+              <a:rPr lang="en-US" dirty="0" smtClean="0"/>
+              <a:t>- University cities as a social</a:t>
+            </a:r>
+            <a:r>
+              <a:rPr lang="en-US" baseline="0" dirty="0" smtClean="0"/>
+              <a:t> class escalator: students arrive in university cities and move on after ended studies. Theory worked well to predict a type of interregional migration until crisis. After crisis the dynamics seem to have been broken. What now? </a:t>
+            </a:r>
+            <a:endParaRPr lang="nl-NL" dirty="0"/>
+          </a:p>
+        </p:txBody>
+      </p:sp>
+      <p:sp>
+        <p:nvSpPr>
+          <p:cNvPr id="4" name="Slide Number Placeholder 3"/>
+          <p:cNvSpPr>
+            <a:spLocks noGrp="1"/>
+          </p:cNvSpPr>
+          <p:nvPr>
+            <p:ph type="sldNum" sz="quarter" idx="10"/>
+          </p:nvPr>
+        </p:nvSpPr>
+        <p:spPr/>
+        <p:txBody>
+          <a:bodyPr/>
+          <a:lstStyle/>
+          <a:p>
+            <a:fld id="{027E0D92-C339-4B6C-BF36-CE1057E46B7D}" type="slidenum">
+              <a:rPr lang="nl-NL" altLang="nl-NL" smtClean="0"/>
+              <a:pPr/>
+              <a:t>11</a:t>
+            </a:fld>
+            <a:endParaRPr lang="nl-NL" altLang="nl-NL"/>
+          </a:p>
+        </p:txBody>
+      </p:sp>
+    </p:spTree>
+    <p:extLst>
+      <p:ext uri="{BB962C8B-B14F-4D97-AF65-F5344CB8AC3E}">
+        <p14:creationId xmlns:p14="http://schemas.microsoft.com/office/powerpoint/2010/main" val="332634048"/>
       </p:ext>
     </p:extLst>
   </p:cSld>
@@ -5234,7 +5782,11 @@
             </a:r>
             <a:r>
               <a:rPr lang="en-US" b="1" dirty="0" smtClean="0"/>
-              <a:t>Population Forecast</a:t>
+              <a:t>Population and Household </a:t>
+            </a:r>
+            <a:r>
+              <a:rPr lang="en-US" b="1" dirty="0" smtClean="0"/>
+              <a:t>Forecast</a:t>
             </a:r>
             <a:endParaRPr lang="en-US" altLang="nl-NL" dirty="0"/>
           </a:p>
@@ -5308,11 +5860,7 @@
           <a:p>
             <a:r>
               <a:rPr lang="nl-NL" dirty="0" smtClean="0"/>
-              <a:t>Analysis of</a:t>
-            </a:r>
-            <a:r>
-              <a:rPr lang="nl-NL" dirty="0" smtClean="0"/>
-              <a:t> </a:t>
+              <a:t>Analysis of </a:t>
             </a:r>
             <a:r>
               <a:rPr lang="nl-NL" dirty="0" err="1" smtClean="0"/>
@@ -5366,16 +5914,16 @@
               <a:t>decompose</a:t>
             </a:r>
             <a:r>
-              <a:rPr lang="nl-NL" dirty="0" smtClean="0"/>
-              <a:t> (</a:t>
-            </a:r>
-            <a:r>
-              <a:rPr lang="nl-NL" dirty="0" err="1" smtClean="0"/>
-              <a:t>and</a:t>
-            </a:r>
-            <a:r>
-              <a:rPr lang="nl-NL" dirty="0" smtClean="0"/>
-              <a:t> forecast) </a:t>
+              <a:rPr lang="nl-NL" dirty="0"/>
+              <a:t> </a:t>
+            </a:r>
+            <a:r>
+              <a:rPr lang="nl-NL" dirty="0" err="1" smtClean="0"/>
+              <a:t>the</a:t>
+            </a:r>
+            <a:r>
+              <a:rPr lang="nl-NL" dirty="0" smtClean="0"/>
+              <a:t> </a:t>
             </a:r>
             <a:r>
               <a:rPr lang="nl-NL" dirty="0" err="1" smtClean="0"/>
@@ -5444,12 +5992,8 @@
           </a:p>
           <a:p>
             <a:r>
-              <a:rPr lang="nl-NL" dirty="0" smtClean="0"/>
-              <a:t>Method</a:t>
-            </a:r>
-            <a:r>
-              <a:rPr lang="nl-NL" dirty="0" smtClean="0"/>
-              <a:t>: DLM</a:t>
+              <a:rPr lang="en-US" dirty="0" smtClean="0"/>
+              <a:t>Method: DLM</a:t>
             </a:r>
             <a:endParaRPr lang="nl-NL" dirty="0" smtClean="0"/>
           </a:p>
@@ -5524,8 +6068,38 @@
         </p:blipFill>
         <p:spPr>
           <a:xfrm>
-            <a:off x="4283968" y="1992700"/>
+            <a:off x="5010537" y="2008188"/>
             <a:ext cx="4133463" cy="4133463"/>
+          </a:xfrm>
+          <a:prstGeom prst="rect">
+            <a:avLst/>
+          </a:prstGeom>
+        </p:spPr>
+      </p:pic>
+      <p:pic>
+        <p:nvPicPr>
+          <p:cNvPr id="8" name="Picture 7"/>
+          <p:cNvPicPr>
+            <a:picLocks noChangeAspect="1"/>
+          </p:cNvPicPr>
+          <p:nvPr/>
+        </p:nvPicPr>
+        <p:blipFill>
+          <a:blip r:embed="rId4" cstate="print">
+            <a:extLst>
+              <a:ext uri="{28A0092B-C50C-407E-A947-70E740481C1C}">
+                <a14:useLocalDpi xmlns:a14="http://schemas.microsoft.com/office/drawing/2010/main" val="0"/>
+              </a:ext>
+            </a:extLst>
+          </a:blip>
+          <a:stretch>
+            <a:fillRect/>
+          </a:stretch>
+        </p:blipFill>
+        <p:spPr>
+          <a:xfrm>
+            <a:off x="252816" y="4567721"/>
+            <a:ext cx="4716016" cy="1558442"/>
           </a:xfrm>
           <a:prstGeom prst="rect">
             <a:avLst/>
@@ -5603,7 +6177,7 @@
           </p:nvPr>
         </p:nvPicPr>
         <p:blipFill>
-          <a:blip r:embed="rId2">
+          <a:blip r:embed="rId3">
             <a:extLst>
               <a:ext uri="{28A0092B-C50C-407E-A947-70E740481C1C}">
                 <a14:useLocalDpi xmlns:a14="http://schemas.microsoft.com/office/drawing/2010/main" val="0"/>
@@ -6894,11 +7468,7 @@
           <a:p>
             <a:r>
               <a:rPr lang="en-US" altLang="nl-NL" dirty="0" smtClean="0"/>
-              <a:t>The Regional Population </a:t>
-            </a:r>
-            <a:r>
-              <a:rPr lang="en-US" altLang="nl-NL" dirty="0" smtClean="0"/>
-              <a:t>and Household Forecast</a:t>
+              <a:t>The Regional Population and Household Forecast</a:t>
             </a:r>
             <a:endParaRPr lang="en-US" altLang="nl-NL" dirty="0"/>
           </a:p>
@@ -6960,15 +7530,7 @@
             </a:r>
             <a:r>
               <a:rPr lang="nl-NL" dirty="0" smtClean="0"/>
-              <a:t> </a:t>
-            </a:r>
-            <a:r>
-              <a:rPr lang="nl-NL" dirty="0" smtClean="0"/>
-              <a:t>forecast (PBL/CBS) </a:t>
-            </a:r>
-            <a:r>
-              <a:rPr lang="nl-NL" dirty="0" smtClean="0"/>
-              <a:t>is made consistent </a:t>
+              <a:t> forecast (PBL/CBS) is made consistent </a:t>
             </a:r>
             <a:r>
               <a:rPr lang="nl-NL" dirty="0" err="1" smtClean="0"/>
@@ -6992,13 +7554,8 @@
             </a:r>
             <a:r>
               <a:rPr lang="nl-NL" dirty="0" smtClean="0"/>
-              <a:t> </a:t>
-            </a:r>
-            <a:r>
-              <a:rPr lang="nl-NL" dirty="0" smtClean="0"/>
-              <a:t>forecast (CBS)</a:t>
-            </a:r>
-            <a:endParaRPr lang="nl-NL" dirty="0" smtClean="0"/>
+              <a:t> forecast (CBS)</a:t>
+            </a:r>
           </a:p>
           <a:p>
             <a:r>
@@ -7145,11 +7702,7 @@
             </a:r>
             <a:r>
               <a:rPr lang="nl-NL" dirty="0" smtClean="0"/>
-              <a:t> </a:t>
-            </a:r>
-            <a:r>
-              <a:rPr lang="nl-NL" dirty="0" smtClean="0"/>
-              <a:t>as </a:t>
+              <a:t> as </a:t>
             </a:r>
             <a:r>
               <a:rPr lang="nl-NL" dirty="0" err="1" smtClean="0"/>
@@ -7345,11 +7898,7 @@
             </a:r>
             <a:r>
               <a:rPr lang="nl-NL" dirty="0" smtClean="0"/>
-              <a:t> changes </a:t>
-            </a:r>
-            <a:r>
-              <a:rPr lang="nl-NL" dirty="0" smtClean="0"/>
-              <a:t>at </a:t>
+              <a:t> changes at </a:t>
             </a:r>
             <a:r>
               <a:rPr lang="nl-NL" dirty="0" err="1" smtClean="0"/>
@@ -7367,7 +7916,6 @@
               <a:rPr lang="nl-NL" dirty="0" smtClean="0"/>
               <a:t> level</a:t>
             </a:r>
-            <a:endParaRPr lang="nl-NL" dirty="0" smtClean="0"/>
           </a:p>
           <a:p>
             <a:r>
@@ -7516,7 +8064,7 @@
           <a:graphicData uri="http://schemas.openxmlformats.org/presentationml/2006/ole">
             <mc:AlternateContent xmlns:mc="http://schemas.openxmlformats.org/markup-compatibility/2006">
               <mc:Choice xmlns:v="urn:schemas-microsoft-com:vml" Requires="v">
-                <p:oleObj spid="_x0000_s45073" name="Equation" r:id="rId4" imgW="1612800" imgH="571320" progId="Equation.DSMT4">
+                <p:oleObj spid="_x0000_s45076" name="Equation" r:id="rId4" imgW="1612800" imgH="571320" progId="Equation.DSMT4">
                   <p:embed/>
                 </p:oleObj>
               </mc:Choice>
@@ -7611,7 +8159,7 @@
             </a:r>
             <a:r>
               <a:rPr lang="nl-NL" sz="1600" dirty="0" err="1" smtClean="0"/>
-              <a:t>inhabitants</a:t>
+              <a:t>population</a:t>
             </a:r>
             <a:endParaRPr lang="nl-NL" sz="1600" dirty="0" smtClean="0"/>
           </a:p>
@@ -9812,19 +10360,11 @@
             </a:r>
             <a:r>
               <a:rPr lang="nl-NL" dirty="0" err="1" smtClean="0"/>
-              <a:t>mi</a:t>
-            </a:r>
-            <a:r>
-              <a:rPr lang="nl-NL" dirty="0" err="1" smtClean="0"/>
-              <a:t>gration</a:t>
-            </a:r>
-            <a:r>
-              <a:rPr lang="nl-NL" dirty="0" smtClean="0"/>
-              <a:t> </a:t>
-            </a:r>
-            <a:r>
-              <a:rPr lang="nl-NL" dirty="0" smtClean="0"/>
-              <a:t>in </a:t>
+              <a:t>migration</a:t>
+            </a:r>
+            <a:r>
+              <a:rPr lang="nl-NL" dirty="0" smtClean="0"/>
+              <a:t> in </a:t>
             </a:r>
             <a:r>
               <a:rPr lang="nl-NL" dirty="0" err="1" smtClean="0"/>
@@ -9950,11 +10490,7 @@
             </a:r>
             <a:r>
               <a:rPr lang="nl-NL" dirty="0" err="1" smtClean="0"/>
-              <a:t>e</a:t>
-            </a:r>
-            <a:r>
-              <a:rPr lang="nl-NL" dirty="0" err="1" smtClean="0"/>
-              <a:t>xplosive</a:t>
+              <a:t>explosive</a:t>
             </a:r>
             <a:r>
               <a:rPr lang="nl-NL" dirty="0" smtClean="0"/>

--- a/output/bsps-HUSBY.pptx
+++ b/output/bsps-HUSBY.pptx
@@ -1391,18 +1391,7 @@
                 <a:ea typeface="+mn-ea"/>
                 <a:cs typeface="Arial" panose="020B0604020202020204" pitchFamily="34" charset="0"/>
               </a:rPr>
-              <a:t>k=1;k≠j;k≠</a:t>
-            </a:r>
-            <a:r>
-              <a:rPr lang="nl-NL" sz="1200" b="0" i="0" u="none" strike="noStrike" kern="1200" baseline="0" dirty="0" smtClean="0">
-                <a:solidFill>
-                  <a:schemeClr val="tx1"/>
-                </a:solidFill>
-                <a:latin typeface="Verdana" panose="020B0604030504040204" pitchFamily="34" charset="0"/>
-                <a:ea typeface="+mn-ea"/>
-                <a:cs typeface="Arial" panose="020B0604020202020204" pitchFamily="34" charset="0"/>
-              </a:rPr>
-              <a:t>iPk/</a:t>
+              <a:t>k=1;k≠j;k≠iPk/</a:t>
             </a:r>
             <a:r>
               <a:rPr lang="nl-NL" sz="1200" b="0" i="0" u="none" strike="noStrike" kern="1200" baseline="0" dirty="0" err="1" smtClean="0">
@@ -1597,14 +1586,6 @@
               </a:rPr>
               <a:t> </a:t>
             </a:r>
-            <a:endParaRPr lang="nl-NL" sz="1200" b="0" i="0" u="none" strike="noStrike" kern="1200" baseline="0" dirty="0" smtClean="0">
-              <a:solidFill>
-                <a:schemeClr val="tx1"/>
-              </a:solidFill>
-              <a:latin typeface="Verdana" panose="020B0604030504040204" pitchFamily="34" charset="0"/>
-              <a:ea typeface="+mn-ea"/>
-              <a:cs typeface="Arial" panose="020B0604020202020204" pitchFamily="34" charset="0"/>
-            </a:endParaRPr>
           </a:p>
           <a:p>
             <a:endParaRPr lang="nl-NL" dirty="0"/>
@@ -1942,6 +1923,124 @@
           <a:bodyPr/>
           <a:lstStyle/>
           <a:p>
+            <a:pPr marL="0" marR="0" lvl="0" indent="0" algn="l" defTabSz="914400" rtl="0" eaLnBrk="1" fontAlgn="base" latinLnBrk="0" hangingPunct="1">
+              <a:lnSpc>
+                <a:spcPct val="100000"/>
+              </a:lnSpc>
+              <a:spcBef>
+                <a:spcPct val="30000"/>
+              </a:spcBef>
+              <a:spcAft>
+                <a:spcPct val="0"/>
+              </a:spcAft>
+              <a:buClrTx/>
+              <a:buSzTx/>
+              <a:buFontTx/>
+              <a:buNone/>
+              <a:tabLst/>
+              <a:defRPr/>
+            </a:pPr>
+            <a:r>
+              <a:rPr lang="en-US" dirty="0" smtClean="0"/>
+              <a:t>-We are currently in the stage of collecting and </a:t>
+            </a:r>
+            <a:r>
+              <a:rPr lang="en-US" dirty="0" err="1" smtClean="0"/>
+              <a:t>analysing</a:t>
+            </a:r>
+            <a:r>
+              <a:rPr lang="en-US" dirty="0" smtClean="0"/>
+              <a:t> the data. A couple issues</a:t>
+            </a:r>
+            <a:r>
+              <a:rPr lang="en-US" baseline="0" dirty="0" smtClean="0"/>
+              <a:t> we are dealing with</a:t>
+            </a:r>
+            <a:endParaRPr lang="nl-NL" dirty="0"/>
+          </a:p>
+        </p:txBody>
+      </p:sp>
+      <p:sp>
+        <p:nvSpPr>
+          <p:cNvPr id="4" name="Slide Number Placeholder 3"/>
+          <p:cNvSpPr>
+            <a:spLocks noGrp="1"/>
+          </p:cNvSpPr>
+          <p:nvPr>
+            <p:ph type="sldNum" sz="quarter" idx="10"/>
+          </p:nvPr>
+        </p:nvSpPr>
+        <p:spPr/>
+        <p:txBody>
+          <a:bodyPr/>
+          <a:lstStyle/>
+          <a:p>
+            <a:fld id="{027E0D92-C339-4B6C-BF36-CE1057E46B7D}" type="slidenum">
+              <a:rPr lang="nl-NL" altLang="nl-NL" smtClean="0"/>
+              <a:pPr/>
+              <a:t>9</a:t>
+            </a:fld>
+            <a:endParaRPr lang="nl-NL" altLang="nl-NL"/>
+          </a:p>
+        </p:txBody>
+      </p:sp>
+    </p:spTree>
+    <p:extLst>
+      <p:ext uri="{BB962C8B-B14F-4D97-AF65-F5344CB8AC3E}">
+        <p14:creationId xmlns:p14="http://schemas.microsoft.com/office/powerpoint/2010/main" val="3912287725"/>
+      </p:ext>
+    </p:extLst>
+  </p:cSld>
+  <p:clrMapOvr>
+    <a:masterClrMapping/>
+  </p:clrMapOvr>
+</p:notes>
+</file>
+
+<file path=ppt/notesSlides/notesSlide6.xml><?xml version="1.0" encoding="utf-8"?>
+<p:notes xmlns:a="http://schemas.openxmlformats.org/drawingml/2006/main" xmlns:r="http://schemas.openxmlformats.org/officeDocument/2006/relationships" xmlns:p="http://schemas.openxmlformats.org/presentationml/2006/main">
+  <p:cSld>
+    <p:spTree>
+      <p:nvGrpSpPr>
+        <p:cNvPr id="1" name=""/>
+        <p:cNvGrpSpPr/>
+        <p:nvPr/>
+      </p:nvGrpSpPr>
+      <p:grpSpPr>
+        <a:xfrm>
+          <a:off x="0" y="0"/>
+          <a:ext cx="0" cy="0"/>
+          <a:chOff x="0" y="0"/>
+          <a:chExt cx="0" cy="0"/>
+        </a:xfrm>
+      </p:grpSpPr>
+      <p:sp>
+        <p:nvSpPr>
+          <p:cNvPr id="2" name="Slide Image Placeholder 1"/>
+          <p:cNvSpPr>
+            <a:spLocks noGrp="1" noRot="1" noChangeAspect="1"/>
+          </p:cNvSpPr>
+          <p:nvPr>
+            <p:ph type="sldImg"/>
+          </p:nvPr>
+        </p:nvSpPr>
+        <p:spPr/>
+      </p:sp>
+      <p:sp>
+        <p:nvSpPr>
+          <p:cNvPr id="3" name="Notes Placeholder 2"/>
+          <p:cNvSpPr>
+            <a:spLocks noGrp="1"/>
+          </p:cNvSpPr>
+          <p:nvPr>
+            <p:ph type="body" idx="1"/>
+          </p:nvPr>
+        </p:nvSpPr>
+        <p:spPr/>
+        <p:txBody>
+          <a:bodyPr/>
+          <a:lstStyle/>
+          <a:p>
             <a:r>
               <a:rPr lang="en-US" dirty="0" smtClean="0"/>
               <a:t>-Frequency</a:t>
@@ -2013,7 +2112,7 @@
 </p:notes>
 </file>
 
-<file path=ppt/notesSlides/notesSlide6.xml><?xml version="1.0" encoding="utf-8"?>
+<file path=ppt/notesSlides/notesSlide7.xml><?xml version="1.0" encoding="utf-8"?>
 <p:notes xmlns:a="http://schemas.openxmlformats.org/drawingml/2006/main" xmlns:r="http://schemas.openxmlformats.org/officeDocument/2006/relationships" xmlns:p="http://schemas.openxmlformats.org/presentationml/2006/main">
   <p:cSld>
     <p:spTree>
@@ -5771,7 +5870,12 @@
             <p:ph type="ctrTitle"/>
           </p:nvPr>
         </p:nvSpPr>
-        <p:spPr/>
+        <p:spPr>
+          <a:xfrm>
+            <a:off x="5002213" y="2097088"/>
+            <a:ext cx="3656012" cy="1907976"/>
+          </a:xfrm>
+        </p:spPr>
         <p:txBody>
           <a:bodyPr/>
           <a:lstStyle/>
@@ -5786,7 +5890,7 @@
             </a:r>
             <a:r>
               <a:rPr lang="en-US" b="1" dirty="0" smtClean="0"/>
-              <a:t>Forecast</a:t>
+              <a:t>Projections</a:t>
             </a:r>
             <a:endParaRPr lang="en-US" altLang="nl-NL" dirty="0"/>
           </a:p>
@@ -5902,12 +6006,13 @@
           <a:bodyPr/>
           <a:lstStyle/>
           <a:p>
-            <a:endParaRPr lang="nl-NL" dirty="0" smtClean="0"/>
-          </a:p>
-          <a:p>
-            <a:r>
-              <a:rPr lang="nl-NL" dirty="0" smtClean="0"/>
-              <a:t>Goal: </a:t>
+            <a:r>
+              <a:rPr lang="nl-NL" dirty="0" smtClean="0"/>
+              <a:t>Goal</a:t>
+            </a:r>
+            <a:r>
+              <a:rPr lang="nl-NL" dirty="0" smtClean="0"/>
+              <a:t>: </a:t>
             </a:r>
             <a:r>
               <a:rPr lang="nl-NL" dirty="0" err="1" smtClean="0"/>
@@ -5993,7 +6098,11 @@
           <a:p>
             <a:r>
               <a:rPr lang="en-US" dirty="0" smtClean="0"/>
-              <a:t>Method: DLM</a:t>
+              <a:t>Method: </a:t>
+            </a:r>
+            <a:r>
+              <a:rPr lang="en-US" dirty="0" smtClean="0"/>
+              <a:t>state-space model</a:t>
             </a:r>
             <a:endParaRPr lang="nl-NL" dirty="0" smtClean="0"/>
           </a:p>
@@ -6833,8 +6942,21 @@
             </a:r>
             <a:r>
               <a:rPr lang="nl-NL" dirty="0" smtClean="0"/>
-              <a:t> Forecast</a:t>
-            </a:r>
+              <a:t> </a:t>
+            </a:r>
+            <a:r>
+              <a:rPr lang="nl-NL" dirty="0" err="1" smtClean="0"/>
+              <a:t>and</a:t>
+            </a:r>
+            <a:r>
+              <a:rPr lang="nl-NL" dirty="0" smtClean="0"/>
+              <a:t> Household </a:t>
+            </a:r>
+            <a:r>
+              <a:rPr lang="nl-NL" dirty="0" err="1" smtClean="0"/>
+              <a:t>Projections</a:t>
+            </a:r>
+            <a:endParaRPr lang="nl-NL" dirty="0" smtClean="0"/>
           </a:p>
           <a:p>
             <a:r>
@@ -7468,7 +7590,11 @@
           <a:p>
             <a:r>
               <a:rPr lang="en-US" altLang="nl-NL" dirty="0" smtClean="0"/>
-              <a:t>The Regional Population and Household Forecast</a:t>
+              <a:t>The Regional Population and Household </a:t>
+            </a:r>
+            <a:r>
+              <a:rPr lang="en-US" altLang="nl-NL" dirty="0" smtClean="0"/>
+              <a:t>Projections</a:t>
             </a:r>
             <a:endParaRPr lang="en-US" altLang="nl-NL" dirty="0"/>
           </a:p>
@@ -7486,7 +7612,7 @@
         </p:nvSpPr>
         <p:spPr>
           <a:xfrm>
-            <a:off x="485775" y="1844675"/>
+            <a:off x="485775" y="2108568"/>
             <a:ext cx="8046665" cy="4281488"/>
           </a:xfrm>
         </p:spPr>
@@ -7496,13 +7622,33 @@
           <a:p>
             <a:r>
               <a:rPr lang="en-US" dirty="0" smtClean="0"/>
-              <a:t>Forecast of population, households and demographic events in Dutch municipalities until 2040</a:t>
-            </a:r>
-          </a:p>
-          <a:p>
+              <a:t>Projections</a:t>
+            </a:r>
             <a:r>
               <a:rPr lang="en-US" dirty="0" smtClean="0"/>
-              <a:t>Carried out every three years: previous forecast in 2016, next in 2019</a:t>
+              <a:t> </a:t>
+            </a:r>
+            <a:r>
+              <a:rPr lang="en-US" dirty="0" smtClean="0"/>
+              <a:t>of population, households and demographic events in Dutch municipalities until 2040</a:t>
+            </a:r>
+          </a:p>
+          <a:p>
+            <a:r>
+              <a:rPr lang="en-US" dirty="0" smtClean="0"/>
+              <a:t>Carried out every three years: previous </a:t>
+            </a:r>
+            <a:r>
+              <a:rPr lang="en-US" dirty="0" smtClean="0"/>
+              <a:t>edition was in </a:t>
+            </a:r>
+            <a:r>
+              <a:rPr lang="en-US" dirty="0" smtClean="0"/>
+              <a:t>2016</a:t>
+            </a:r>
+            <a:r>
+              <a:rPr lang="en-US" dirty="0" smtClean="0"/>
+              <a:t>, next in 2019</a:t>
             </a:r>
           </a:p>
           <a:p>
@@ -7530,7 +7676,31 @@
             </a:r>
             <a:r>
               <a:rPr lang="nl-NL" dirty="0" smtClean="0"/>
-              <a:t> forecast (PBL/CBS) is made consistent </a:t>
+              <a:t> </a:t>
+            </a:r>
+            <a:r>
+              <a:rPr lang="nl-NL" dirty="0" err="1" smtClean="0"/>
+              <a:t>projections</a:t>
+            </a:r>
+            <a:r>
+              <a:rPr lang="nl-NL" dirty="0" smtClean="0"/>
+              <a:t> </a:t>
+            </a:r>
+            <a:r>
+              <a:rPr lang="nl-NL" dirty="0" smtClean="0"/>
+              <a:t>(PBL/CBS) </a:t>
+            </a:r>
+            <a:r>
+              <a:rPr lang="nl-NL" dirty="0" smtClean="0"/>
+              <a:t>are</a:t>
+            </a:r>
+            <a:r>
+              <a:rPr lang="nl-NL" dirty="0" smtClean="0"/>
+              <a:t> </a:t>
+            </a:r>
+            <a:r>
+              <a:rPr lang="nl-NL" dirty="0" smtClean="0"/>
+              <a:t>made consistent </a:t>
             </a:r>
             <a:r>
               <a:rPr lang="nl-NL" dirty="0" err="1" smtClean="0"/>
@@ -7554,21 +7724,33 @@
             </a:r>
             <a:r>
               <a:rPr lang="nl-NL" dirty="0" smtClean="0"/>
-              <a:t> forecast (CBS)</a:t>
-            </a:r>
-          </a:p>
-          <a:p>
-            <a:r>
-              <a:rPr lang="nl-NL" dirty="0" smtClean="0"/>
-              <a:t>The forecast is </a:t>
-            </a:r>
-            <a:r>
-              <a:rPr lang="nl-NL" dirty="0" err="1" smtClean="0"/>
-              <a:t>carried</a:t>
-            </a:r>
-            <a:r>
-              <a:rPr lang="nl-NL" dirty="0" smtClean="0"/>
-              <a:t> out </a:t>
+              <a:t> </a:t>
+            </a:r>
+            <a:r>
+              <a:rPr lang="nl-NL" dirty="0" err="1" smtClean="0"/>
+              <a:t>projections</a:t>
+            </a:r>
+            <a:r>
+              <a:rPr lang="nl-NL" dirty="0" smtClean="0"/>
+              <a:t> </a:t>
+            </a:r>
+            <a:r>
+              <a:rPr lang="nl-NL" dirty="0" smtClean="0"/>
+              <a:t>(CBS)</a:t>
+            </a:r>
+          </a:p>
+          <a:p>
+            <a:r>
+              <a:rPr lang="nl-NL" dirty="0" smtClean="0"/>
+              <a:t>The </a:t>
+            </a:r>
+            <a:r>
+              <a:rPr lang="nl-NL" dirty="0" err="1" smtClean="0"/>
+              <a:t>projections</a:t>
+            </a:r>
+            <a:r>
+              <a:rPr lang="nl-NL" dirty="0" smtClean="0"/>
+              <a:t> made </a:t>
             </a:r>
             <a:r>
               <a:rPr lang="nl-NL" dirty="0" err="1" smtClean="0"/>
@@ -8064,7 +8246,7 @@
           <a:graphicData uri="http://schemas.openxmlformats.org/presentationml/2006/ole">
             <mc:AlternateContent xmlns:mc="http://schemas.openxmlformats.org/markup-compatibility/2006">
               <mc:Choice xmlns:v="urn:schemas-microsoft-com:vml" Requires="v">
-                <p:oleObj spid="_x0000_s45076" name="Equation" r:id="rId4" imgW="1612800" imgH="571320" progId="Equation.DSMT4">
+                <p:oleObj spid="_x0000_s45078" name="Equation" r:id="rId4" imgW="1612800" imgH="571320" progId="Equation.DSMT4">
                   <p:embed/>
                 </p:oleObj>
               </mc:Choice>
@@ -8810,16 +8992,48 @@
           <a:lstStyle/>
           <a:p>
             <a:r>
-              <a:rPr lang="nl-NL" dirty="0" smtClean="0"/>
-              <a:t>The </a:t>
-            </a:r>
-            <a:r>
-              <a:rPr lang="nl-NL" dirty="0" err="1" smtClean="0"/>
-              <a:t>Population</a:t>
-            </a:r>
-            <a:r>
-              <a:rPr lang="nl-NL" dirty="0" smtClean="0"/>
-              <a:t> Forecast in 2016 </a:t>
+              <a:rPr lang="nl-NL" dirty="0" err="1" smtClean="0"/>
+              <a:t>Regional</a:t>
+            </a:r>
+            <a:r>
+              <a:rPr lang="nl-NL" dirty="0" smtClean="0"/>
+              <a:t> </a:t>
+            </a:r>
+            <a:r>
+              <a:rPr lang="nl-NL" dirty="0" err="1" smtClean="0"/>
+              <a:t>population</a:t>
+            </a:r>
+            <a:r>
+              <a:rPr lang="nl-NL" dirty="0" smtClean="0"/>
+              <a:t> </a:t>
+            </a:r>
+            <a:r>
+              <a:rPr lang="nl-NL" dirty="0" err="1" smtClean="0"/>
+              <a:t>from</a:t>
+            </a:r>
+            <a:r>
+              <a:rPr lang="nl-NL" dirty="0" smtClean="0"/>
+              <a:t> </a:t>
+            </a:r>
+            <a:r>
+              <a:rPr lang="nl-NL" dirty="0" err="1" smtClean="0"/>
+              <a:t>the</a:t>
+            </a:r>
+            <a:r>
+              <a:rPr lang="nl-NL" dirty="0" smtClean="0"/>
+              <a:t> </a:t>
+            </a:r>
+            <a:r>
+              <a:rPr lang="nl-NL" dirty="0" smtClean="0"/>
+              <a:t>2016 </a:t>
+            </a:r>
+            <a:r>
+              <a:rPr lang="nl-NL" dirty="0" err="1" smtClean="0"/>
+              <a:t>edition</a:t>
+            </a:r>
+            <a:r>
+              <a:rPr lang="nl-NL" dirty="0" smtClean="0"/>
+              <a:t> </a:t>
             </a:r>
             <a:endParaRPr lang="nl-NL" dirty="0"/>
           </a:p>
@@ -9147,7 +9361,15 @@
           <a:p>
             <a:r>
               <a:rPr lang="nl-NL" dirty="0" smtClean="0"/>
-              <a:t>How accurate is </a:t>
+              <a:t>How accurate </a:t>
+            </a:r>
+            <a:r>
+              <a:rPr lang="nl-NL" dirty="0" err="1" smtClean="0"/>
+              <a:t>were</a:t>
+            </a:r>
+            <a:r>
+              <a:rPr lang="nl-NL" dirty="0" smtClean="0"/>
+              <a:t> </a:t>
             </a:r>
             <a:r>
               <a:rPr lang="nl-NL" dirty="0" err="1" smtClean="0"/>
@@ -9155,7 +9377,15 @@
             </a:r>
             <a:r>
               <a:rPr lang="nl-NL" dirty="0" smtClean="0"/>
-              <a:t> forecast? </a:t>
+              <a:t> </a:t>
+            </a:r>
+            <a:r>
+              <a:rPr lang="nl-NL" dirty="0" err="1" smtClean="0"/>
+              <a:t>projections</a:t>
+            </a:r>
+            <a:r>
+              <a:rPr lang="nl-NL" dirty="0" smtClean="0"/>
+              <a:t>? </a:t>
             </a:r>
             <a:endParaRPr lang="nl-NL" dirty="0"/>
           </a:p>
@@ -9230,7 +9460,7 @@
         </p:blipFill>
         <p:spPr>
           <a:xfrm>
-            <a:off x="2613463" y="1628800"/>
+            <a:off x="2613463" y="1728788"/>
             <a:ext cx="3917073" cy="4176223"/>
           </a:xfrm>
           <a:prstGeom prst="rect">
@@ -9382,7 +9612,15 @@
           <a:p>
             <a:r>
               <a:rPr lang="nl-NL" dirty="0" smtClean="0"/>
-              <a:t>How accurate is </a:t>
+              <a:t>How accurate </a:t>
+            </a:r>
+            <a:r>
+              <a:rPr lang="nl-NL" dirty="0" err="1" smtClean="0"/>
+              <a:t>were</a:t>
+            </a:r>
+            <a:r>
+              <a:rPr lang="nl-NL" dirty="0" smtClean="0"/>
+              <a:t> </a:t>
             </a:r>
             <a:r>
               <a:rPr lang="nl-NL" dirty="0" err="1" smtClean="0"/>
@@ -9390,11 +9628,15 @@
             </a:r>
             <a:r>
               <a:rPr lang="nl-NL" dirty="0" smtClean="0"/>
-              <a:t> forecast? 2013 </a:t>
-            </a:r>
-            <a:r>
-              <a:rPr lang="nl-NL" dirty="0" err="1" smtClean="0"/>
-              <a:t>edition</a:t>
+              <a:t> </a:t>
+            </a:r>
+            <a:r>
+              <a:rPr lang="nl-NL" dirty="0" err="1" smtClean="0"/>
+              <a:t>projections</a:t>
+            </a:r>
+            <a:r>
+              <a:rPr lang="nl-NL" dirty="0" smtClean="0"/>
+              <a:t>?</a:t>
             </a:r>
             <a:endParaRPr lang="nl-NL" dirty="0"/>
           </a:p>
@@ -9730,12 +9972,28 @@
           <a:p>
             <a:pPr lvl="0"/>
             <a:r>
+              <a:rPr lang="nl-NL" dirty="0" err="1">
+                <a:solidFill>
+                  <a:srgbClr val="000000"/>
+                </a:solidFill>
+              </a:rPr>
+              <a:t>P</a:t>
+            </a:r>
+            <a:r>
+              <a:rPr lang="nl-NL" dirty="0" err="1" smtClean="0">
+                <a:solidFill>
+                  <a:srgbClr val="000000"/>
+                </a:solidFill>
+              </a:rPr>
+              <a:t>lans</a:t>
+            </a:r>
+            <a:r>
               <a:rPr lang="nl-NL" dirty="0" smtClean="0">
                 <a:solidFill>
                   <a:srgbClr val="000000"/>
                 </a:solidFill>
               </a:rPr>
-              <a:t>Building </a:t>
+              <a:t> </a:t>
             </a:r>
             <a:r>
               <a:rPr lang="nl-NL" dirty="0" err="1" smtClean="0">
@@ -9743,7 +10001,7 @@
                   <a:srgbClr val="000000"/>
                 </a:solidFill>
               </a:rPr>
-              <a:t>projections</a:t>
+              <a:t>for</a:t>
             </a:r>
             <a:r>
               <a:rPr lang="nl-NL" dirty="0" smtClean="0">
@@ -9752,6 +10010,22 @@
                 </a:solidFill>
               </a:rPr>
               <a:t> </a:t>
+            </a:r>
+            <a:r>
+              <a:rPr lang="nl-NL" dirty="0" err="1" smtClean="0">
+                <a:solidFill>
+                  <a:srgbClr val="000000"/>
+                </a:solidFill>
+              </a:rPr>
+              <a:t>future</a:t>
+            </a:r>
+            <a:r>
+              <a:rPr lang="nl-NL" dirty="0" smtClean="0">
+                <a:solidFill>
+                  <a:srgbClr val="000000"/>
+                </a:solidFill>
+              </a:rPr>
+              <a:t> building </a:t>
             </a:r>
             <a:r>
               <a:rPr lang="nl-NL" dirty="0" err="1" smtClean="0">
@@ -10047,8 +10321,29 @@
                   <a:srgbClr val="000000"/>
                 </a:solidFill>
               </a:rPr>
-              <a:t> forecast!</a:t>
-            </a:r>
+              <a:t> </a:t>
+            </a:r>
+            <a:r>
+              <a:rPr lang="nl-NL" dirty="0" err="1" smtClean="0">
+                <a:solidFill>
+                  <a:srgbClr val="000000"/>
+                </a:solidFill>
+              </a:rPr>
+              <a:t>projections</a:t>
+            </a:r>
+            <a:r>
+              <a:rPr lang="nl-NL" dirty="0" smtClean="0">
+                <a:solidFill>
+                  <a:srgbClr val="000000"/>
+                </a:solidFill>
+              </a:rPr>
+              <a:t>!</a:t>
+            </a:r>
+            <a:endParaRPr lang="nl-NL" dirty="0" smtClean="0">
+              <a:solidFill>
+                <a:srgbClr val="000000"/>
+              </a:solidFill>
+            </a:endParaRPr>
           </a:p>
           <a:p>
             <a:pPr lvl="0"/>
@@ -10364,7 +10659,15 @@
             </a:r>
             <a:r>
               <a:rPr lang="nl-NL" dirty="0" smtClean="0"/>
-              <a:t> in </a:t>
+              <a:t> </a:t>
+            </a:r>
+            <a:r>
+              <a:rPr lang="nl-NL" dirty="0" err="1" smtClean="0"/>
+              <a:t>for</a:t>
+            </a:r>
+            <a:r>
+              <a:rPr lang="nl-NL" dirty="0" smtClean="0"/>
+              <a:t> </a:t>
             </a:r>
             <a:r>
               <a:rPr lang="nl-NL" dirty="0" err="1" smtClean="0"/>
@@ -10372,7 +10675,19 @@
             </a:r>
             <a:r>
               <a:rPr lang="nl-NL" dirty="0" smtClean="0"/>
-              <a:t> Forecast of 2019</a:t>
+              <a:t> </a:t>
+            </a:r>
+            <a:r>
+              <a:rPr lang="nl-NL" dirty="0" err="1" smtClean="0"/>
+              <a:t>Projections</a:t>
+            </a:r>
+            <a:r>
+              <a:rPr lang="nl-NL" dirty="0" smtClean="0"/>
+              <a:t> </a:t>
+            </a:r>
+            <a:r>
+              <a:rPr lang="nl-NL" dirty="0" smtClean="0"/>
+              <a:t>of 2019</a:t>
             </a:r>
             <a:endParaRPr lang="nl-NL" dirty="0"/>
           </a:p>
@@ -10397,21 +10712,6 @@
         <p:txBody>
           <a:bodyPr/>
           <a:lstStyle/>
-          <a:p>
-            <a:r>
-              <a:rPr lang="en-US" dirty="0" smtClean="0"/>
-              <a:t>We are currently in the stage of collecting and </a:t>
-            </a:r>
-            <a:r>
-              <a:rPr lang="en-US" dirty="0" err="1" smtClean="0"/>
-              <a:t>analysing</a:t>
-            </a:r>
-            <a:r>
-              <a:rPr lang="en-US" dirty="0" smtClean="0"/>
-              <a:t> the data </a:t>
-            </a:r>
-            <a:endParaRPr lang="nl-NL" dirty="0" smtClean="0"/>
-          </a:p>
           <a:p>
             <a:r>
               <a:rPr lang="nl-NL" dirty="0" smtClean="0"/>
